--- a/public/blank-poster-template.pptx
+++ b/public/blank-poster-template.pptx
@@ -1,14 +1,14 @@
 
 <file path=ppt/presentation.xml><?xml version="1.0" encoding="utf-8"?>
-<p:presentation xmlns:a="http://schemas.openxmlformats.org/drawingml/2006/main" xmlns:r="http://schemas.openxmlformats.org/officeDocument/2006/relationships" xmlns:p="http://schemas.openxmlformats.org/presentationml/2006/main" saveSubsetFonts="1">
+<p:presentation xmlns:a="http://schemas.openxmlformats.org/drawingml/2006/main" xmlns:r="http://schemas.openxmlformats.org/officeDocument/2006/relationships" xmlns:p="http://schemas.openxmlformats.org/presentationml/2006/main" xmlns:m="http://schemas.openxmlformats.org/officeDocument/2006/math" xmlns:a14="http://schemas.microsoft.com/office/drawing/2010/main">
   <p:sldMasterIdLst>
-    <p:sldMasterId id="2147483648" r:id="rId1"/>
+    <p:sldMasterId id="2147483648" r:id="rId5"/>
   </p:sldMasterIdLst>
   <p:notesMasterIdLst>
-    <p:notesMasterId r:id="rId3"/>
+    <p:notesMasterId r:id="rId7"/>
   </p:notesMasterIdLst>
   <p:sldIdLst>
-    <p:sldId id="256" r:id="rId2"/>
+    <p:sldId id="256" r:id="rId8"/>
   </p:sldIdLst>
   <p:sldSz cx="27432000" cy="36576000"/>
   <p:notesSz cx="6858000" cy="9144000"/>
@@ -28,7 +28,7 @@
       <a:buFontTx/>
       <a:buNone/>
       <a:tabLst/>
-      <a:defRPr kumimoji="0" sz="1800" b="0" i="0" u="none" strike="noStrike" cap="none" spc="0" normalizeH="0" baseline="0">
+      <a:defRPr b="0" baseline="0" cap="none" i="0" spc="0" strike="noStrike" sz="1800" u="none" kumimoji="0" normalizeH="0">
         <a:ln>
           <a:noFill/>
         </a:ln>
@@ -54,7 +54,7 @@
       <a:buFontTx/>
       <a:buNone/>
       <a:tabLst/>
-      <a:defRPr kumimoji="0" sz="8000" b="1" i="0" u="none" strike="noStrike" cap="none" spc="0" normalizeH="0" baseline="0">
+      <a:defRPr b="1" baseline="0" cap="none" i="0" spc="0" strike="noStrike" sz="8000" u="none" kumimoji="0" normalizeH="0">
         <a:ln>
           <a:noFill/>
         </a:ln>
@@ -84,7 +84,7 @@
       <a:buFontTx/>
       <a:buNone/>
       <a:tabLst/>
-      <a:defRPr kumimoji="0" sz="8000" b="1" i="0" u="none" strike="noStrike" cap="none" spc="0" normalizeH="0" baseline="0">
+      <a:defRPr b="1" baseline="0" cap="none" i="0" spc="0" strike="noStrike" sz="8000" u="none" kumimoji="0" normalizeH="0">
         <a:ln>
           <a:noFill/>
         </a:ln>
@@ -114,7 +114,7 @@
       <a:buFontTx/>
       <a:buNone/>
       <a:tabLst/>
-      <a:defRPr kumimoji="0" sz="8000" b="1" i="0" u="none" strike="noStrike" cap="none" spc="0" normalizeH="0" baseline="0">
+      <a:defRPr b="1" baseline="0" cap="none" i="0" spc="0" strike="noStrike" sz="8000" u="none" kumimoji="0" normalizeH="0">
         <a:ln>
           <a:noFill/>
         </a:ln>
@@ -144,7 +144,7 @@
       <a:buFontTx/>
       <a:buNone/>
       <a:tabLst/>
-      <a:defRPr kumimoji="0" sz="8000" b="1" i="0" u="none" strike="noStrike" cap="none" spc="0" normalizeH="0" baseline="0">
+      <a:defRPr b="1" baseline="0" cap="none" i="0" spc="0" strike="noStrike" sz="8000" u="none" kumimoji="0" normalizeH="0">
         <a:ln>
           <a:noFill/>
         </a:ln>
@@ -174,7 +174,7 @@
       <a:buFontTx/>
       <a:buNone/>
       <a:tabLst/>
-      <a:defRPr kumimoji="0" sz="8000" b="1" i="0" u="none" strike="noStrike" cap="none" spc="0" normalizeH="0" baseline="0">
+      <a:defRPr b="1" baseline="0" cap="none" i="0" spc="0" strike="noStrike" sz="8000" u="none" kumimoji="0" normalizeH="0">
         <a:ln>
           <a:noFill/>
         </a:ln>
@@ -204,7 +204,7 @@
       <a:buFontTx/>
       <a:buNone/>
       <a:tabLst/>
-      <a:defRPr kumimoji="0" sz="8000" b="1" i="0" u="none" strike="noStrike" cap="none" spc="0" normalizeH="0" baseline="0">
+      <a:defRPr b="1" baseline="0" cap="none" i="0" spc="0" strike="noStrike" sz="8000" u="none" kumimoji="0" normalizeH="0">
         <a:ln>
           <a:noFill/>
         </a:ln>
@@ -234,7 +234,7 @@
       <a:buFontTx/>
       <a:buNone/>
       <a:tabLst/>
-      <a:defRPr kumimoji="0" sz="8000" b="1" i="0" u="none" strike="noStrike" cap="none" spc="0" normalizeH="0" baseline="0">
+      <a:defRPr b="1" baseline="0" cap="none" i="0" spc="0" strike="noStrike" sz="8000" u="none" kumimoji="0" normalizeH="0">
         <a:ln>
           <a:noFill/>
         </a:ln>
@@ -264,7 +264,7 @@
       <a:buFontTx/>
       <a:buNone/>
       <a:tabLst/>
-      <a:defRPr kumimoji="0" sz="8000" b="1" i="0" u="none" strike="noStrike" cap="none" spc="0" normalizeH="0" baseline="0">
+      <a:defRPr b="1" baseline="0" cap="none" i="0" spc="0" strike="noStrike" sz="8000" u="none" kumimoji="0" normalizeH="0">
         <a:ln>
           <a:noFill/>
         </a:ln>
@@ -294,7 +294,7 @@
       <a:buFontTx/>
       <a:buNone/>
       <a:tabLst/>
-      <a:defRPr kumimoji="0" sz="8000" b="1" i="0" u="none" strike="noStrike" cap="none" spc="0" normalizeH="0" baseline="0">
+      <a:defRPr b="1" baseline="0" cap="none" i="0" spc="0" strike="noStrike" sz="8000" u="none" kumimoji="0" normalizeH="0">
         <a:ln>
           <a:noFill/>
         </a:ln>
@@ -313,14 +313,13 @@
 </p:presentation>
 </file>
 
+<file path=ppt/commentAuthors.xml><?xml version="1.0" encoding="utf-8"?>
+<p:cmAuthorLst xmlns:a="http://schemas.openxmlformats.org/drawingml/2006/main" xmlns:r="http://schemas.openxmlformats.org/officeDocument/2006/relationships" xmlns:p="http://schemas.openxmlformats.org/presentationml/2006/main" xmlns:m="http://schemas.openxmlformats.org/officeDocument/2006/math" xmlns:a14="http://schemas.microsoft.com/office/drawing/2010/main"/>
+</file>
+
 <file path=ppt/notesMasters/notesMaster1.xml><?xml version="1.0" encoding="utf-8"?>
-<p:notesMaster xmlns:a="http://schemas.openxmlformats.org/drawingml/2006/main" xmlns:r="http://schemas.openxmlformats.org/officeDocument/2006/relationships" xmlns:p="http://schemas.openxmlformats.org/presentationml/2006/main">
+<p:notesMaster xmlns:a="http://schemas.openxmlformats.org/drawingml/2006/main" xmlns:r="http://schemas.openxmlformats.org/officeDocument/2006/relationships" xmlns:p="http://schemas.openxmlformats.org/presentationml/2006/main" xmlns:m="http://schemas.openxmlformats.org/officeDocument/2006/math" xmlns:a14="http://schemas.microsoft.com/office/drawing/2010/main">
   <p:cSld>
-    <p:bg>
-      <p:bgRef idx="1001">
-        <a:schemeClr val="bg1"/>
-      </p:bgRef>
-    </p:bg>
     <p:spTree>
       <p:nvGrpSpPr>
         <p:cNvPr id="1" name=""/>
@@ -338,9 +337,7 @@
       <p:sp>
         <p:nvSpPr>
           <p:cNvPr id="116" name="Shape 116"/>
-          <p:cNvSpPr>
-            <a:spLocks noGrp="1" noRot="1" noChangeAspect="1"/>
-          </p:cNvSpPr>
+          <p:cNvSpPr/>
           <p:nvPr>
             <p:ph type="sldImg"/>
           </p:nvPr>
@@ -358,16 +355,14 @@
           <a:bodyPr/>
           <a:lstStyle/>
           <a:p>
-            <a:endParaRPr/>
+            <a:pPr/>
           </a:p>
         </p:txBody>
       </p:sp>
       <p:sp>
         <p:nvSpPr>
           <p:cNvPr id="117" name="Shape 117"/>
-          <p:cNvSpPr>
-            <a:spLocks noGrp="1"/>
-          </p:cNvSpPr>
+          <p:cNvSpPr/>
           <p:nvPr>
             <p:ph type="body" sz="quarter" idx="1"/>
           </p:nvPr>
@@ -385,7 +380,7 @@
           <a:bodyPr/>
           <a:lstStyle/>
           <a:p>
-            <a:endParaRPr/>
+            <a:pPr/>
           </a:p>
         </p:txBody>
       </p:sp>
@@ -497,7 +492,7 @@
 </file>
 
 <file path=ppt/slideLayouts/slideLayout1.xml><?xml version="1.0" encoding="utf-8"?>
-<p:sldLayout xmlns:a="http://schemas.openxmlformats.org/drawingml/2006/main" xmlns:r="http://schemas.openxmlformats.org/officeDocument/2006/relationships" xmlns:p="http://schemas.openxmlformats.org/presentationml/2006/main" type="title">
+<p:sldLayout xmlns:a="http://schemas.openxmlformats.org/drawingml/2006/main" xmlns:r="http://schemas.openxmlformats.org/officeDocument/2006/relationships" xmlns:p="http://schemas.openxmlformats.org/presentationml/2006/main" xmlns:m="http://schemas.openxmlformats.org/officeDocument/2006/math" xmlns:a14="http://schemas.microsoft.com/office/drawing/2010/main" type="title" showMasterSp="1" showMasterPhAnim="1">
   <p:cSld name="Title &amp; Subtitle">
     <p:spTree>
       <p:nvGrpSpPr>
@@ -516,9 +511,7 @@
       <p:sp>
         <p:nvSpPr>
           <p:cNvPr id="11" name="Title Text"/>
-          <p:cNvSpPr txBox="1">
-            <a:spLocks noGrp="1"/>
-          </p:cNvSpPr>
+          <p:cNvSpPr txBox="1"/>
           <p:nvPr>
             <p:ph type="title"/>
           </p:nvPr>
@@ -532,6 +525,7 @@
           <a:bodyPr/>
           <a:lstStyle/>
           <a:p>
+            <a:pPr/>
             <a:r>
               <a:t>Title Text</a:t>
             </a:r>
@@ -541,9 +535,7 @@
       <p:sp>
         <p:nvSpPr>
           <p:cNvPr id="12" name="Body Level One…"/>
-          <p:cNvSpPr txBox="1">
-            <a:spLocks noGrp="1"/>
-          </p:cNvSpPr>
+          <p:cNvSpPr txBox="1"/>
           <p:nvPr>
             <p:ph type="body" sz="quarter" idx="1"/>
           </p:nvPr>
@@ -557,6 +549,7 @@
           <a:bodyPr/>
           <a:lstStyle/>
           <a:p>
+            <a:pPr/>
             <a:r>
               <a:t>Body Level One</a:t>
             </a:r>
@@ -590,9 +583,7 @@
       <p:sp>
         <p:nvSpPr>
           <p:cNvPr id="13" name="Slide Number"/>
-          <p:cNvSpPr txBox="1">
-            <a:spLocks noGrp="1"/>
-          </p:cNvSpPr>
+          <p:cNvSpPr txBox="1"/>
           <p:nvPr>
             <p:ph type="sldNum" sz="quarter" idx="2"/>
           </p:nvPr>
@@ -606,10 +597,8 @@
           <a:bodyPr/>
           <a:lstStyle/>
           <a:p>
-            <a:fld id="{86CB4B4D-7CA3-9044-876B-883B54F8677D}" type="slidenum">
-              <a:t>‹#›</a:t>
-            </a:fld>
-            <a:endParaRPr/>
+            <a:pPr/>
+            <a:fld id="{86CB4B4D-7CA3-9044-876B-883B54F8677D}" type="slidenum"/>
           </a:p>
         </p:txBody>
       </p:sp>
@@ -618,12 +607,12 @@
   <p:clrMapOvr>
     <a:masterClrMapping/>
   </p:clrMapOvr>
-  <p:transition spd="med"/>
+  <p:transition xmlns:p14="http://schemas.microsoft.com/office/powerpoint/2010/main" spd="med" advClick="1"/>
 </p:sldLayout>
 </file>
 
 <file path=ppt/slideLayouts/slideLayout10.xml><?xml version="1.0" encoding="utf-8"?>
-<p:sldLayout xmlns:a="http://schemas.openxmlformats.org/drawingml/2006/main" xmlns:r="http://schemas.openxmlformats.org/officeDocument/2006/relationships" xmlns:p="http://schemas.openxmlformats.org/presentationml/2006/main" type="tx">
+<p:sldLayout xmlns:a="http://schemas.openxmlformats.org/drawingml/2006/main" xmlns:r="http://schemas.openxmlformats.org/officeDocument/2006/relationships" xmlns:p="http://schemas.openxmlformats.org/presentationml/2006/main" xmlns:m="http://schemas.openxmlformats.org/officeDocument/2006/math" xmlns:a14="http://schemas.microsoft.com/office/drawing/2010/main" type="tx" showMasterSp="1" showMasterPhAnim="1">
   <p:cSld name="Quote">
     <p:spTree>
       <p:nvGrpSpPr>
@@ -642,9 +631,7 @@
       <p:sp>
         <p:nvSpPr>
           <p:cNvPr id="93" name="–Johnny Appleseed"/>
-          <p:cNvSpPr txBox="1">
-            <a:spLocks noGrp="1"/>
-          </p:cNvSpPr>
+          <p:cNvSpPr txBox="1"/>
           <p:nvPr>
             <p:ph type="body" sz="quarter" idx="13"/>
           </p:nvPr>
@@ -652,7 +639,7 @@
         <p:spPr>
           <a:xfrm>
             <a:off x="2686050" y="20645437"/>
-            <a:ext cx="22074188" cy="1354431"/>
+            <a:ext cx="22074188" cy="1498601"/>
           </a:xfrm>
           <a:prstGeom prst="rect">
             <a:avLst/>
@@ -664,10 +651,11 @@
           </a:bodyPr>
           <a:lstStyle>
             <a:lvl1pPr>
-              <a:defRPr sz="8400" i="1"/>
+              <a:defRPr i="1" sz="8400"/>
             </a:lvl1pPr>
           </a:lstStyle>
           <a:p>
+            <a:pPr/>
             <a:r>
               <a:t>–Johnny Appleseed</a:t>
             </a:r>
@@ -677,9 +665,7 @@
       <p:sp>
         <p:nvSpPr>
           <p:cNvPr id="94" name="“Type a quote here.”"/>
-          <p:cNvSpPr txBox="1">
-            <a:spLocks noGrp="1"/>
-          </p:cNvSpPr>
+          <p:cNvSpPr txBox="1"/>
           <p:nvPr>
             <p:ph type="body" sz="quarter" idx="14"/>
           </p:nvPr>
@@ -708,6 +694,7 @@
             </a:lvl1pPr>
           </a:lstStyle>
           <a:p>
+            <a:pPr/>
             <a:r>
               <a:t>“Type a quote here.” </a:t>
             </a:r>
@@ -717,9 +704,7 @@
       <p:sp>
         <p:nvSpPr>
           <p:cNvPr id="95" name="Slide Number"/>
-          <p:cNvSpPr txBox="1">
-            <a:spLocks noGrp="1"/>
-          </p:cNvSpPr>
+          <p:cNvSpPr txBox="1"/>
           <p:nvPr>
             <p:ph type="sldNum" sz="quarter" idx="2"/>
           </p:nvPr>
@@ -733,10 +718,8 @@
           <a:bodyPr/>
           <a:lstStyle/>
           <a:p>
-            <a:fld id="{86CB4B4D-7CA3-9044-876B-883B54F8677D}" type="slidenum">
-              <a:t>‹#›</a:t>
-            </a:fld>
-            <a:endParaRPr/>
+            <a:pPr/>
+            <a:fld id="{86CB4B4D-7CA3-9044-876B-883B54F8677D}" type="slidenum"/>
           </a:p>
         </p:txBody>
       </p:sp>
@@ -745,12 +728,12 @@
   <p:clrMapOvr>
     <a:masterClrMapping/>
   </p:clrMapOvr>
-  <p:transition spd="med"/>
+  <p:transition xmlns:p14="http://schemas.microsoft.com/office/powerpoint/2010/main" spd="med" advClick="1"/>
 </p:sldLayout>
 </file>
 
 <file path=ppt/slideLayouts/slideLayout11.xml><?xml version="1.0" encoding="utf-8"?>
-<p:sldLayout xmlns:a="http://schemas.openxmlformats.org/drawingml/2006/main" xmlns:r="http://schemas.openxmlformats.org/officeDocument/2006/relationships" xmlns:p="http://schemas.openxmlformats.org/presentationml/2006/main" type="tx">
+<p:sldLayout xmlns:a="http://schemas.openxmlformats.org/drawingml/2006/main" xmlns:r="http://schemas.openxmlformats.org/officeDocument/2006/relationships" xmlns:p="http://schemas.openxmlformats.org/presentationml/2006/main" xmlns:m="http://schemas.openxmlformats.org/officeDocument/2006/math" xmlns:a14="http://schemas.microsoft.com/office/drawing/2010/main" type="tx" showMasterSp="1" showMasterPhAnim="1">
   <p:cSld name="Photo">
     <p:spTree>
       <p:nvGrpSpPr>
@@ -769,9 +752,7 @@
       <p:sp>
         <p:nvSpPr>
           <p:cNvPr id="102" name="Image"/>
-          <p:cNvSpPr>
-            <a:spLocks noGrp="1"/>
-          </p:cNvSpPr>
+          <p:cNvSpPr/>
           <p:nvPr>
             <p:ph type="pic" idx="13"/>
           </p:nvPr>
@@ -791,16 +772,14 @@
           </a:bodyPr>
           <a:lstStyle/>
           <a:p>
-            <a:endParaRPr/>
+            <a:pPr/>
           </a:p>
         </p:txBody>
       </p:sp>
       <p:sp>
         <p:nvSpPr>
           <p:cNvPr id="103" name="Slide Number"/>
-          <p:cNvSpPr txBox="1">
-            <a:spLocks noGrp="1"/>
-          </p:cNvSpPr>
+          <p:cNvSpPr txBox="1"/>
           <p:nvPr>
             <p:ph type="sldNum" sz="quarter" idx="2"/>
           </p:nvPr>
@@ -814,10 +793,8 @@
           <a:bodyPr/>
           <a:lstStyle/>
           <a:p>
-            <a:fld id="{86CB4B4D-7CA3-9044-876B-883B54F8677D}" type="slidenum">
-              <a:t>‹#›</a:t>
-            </a:fld>
-            <a:endParaRPr/>
+            <a:pPr/>
+            <a:fld id="{86CB4B4D-7CA3-9044-876B-883B54F8677D}" type="slidenum"/>
           </a:p>
         </p:txBody>
       </p:sp>
@@ -826,12 +803,12 @@
   <p:clrMapOvr>
     <a:masterClrMapping/>
   </p:clrMapOvr>
-  <p:transition spd="med"/>
+  <p:transition xmlns:p14="http://schemas.microsoft.com/office/powerpoint/2010/main" spd="med" advClick="1"/>
 </p:sldLayout>
 </file>
 
 <file path=ppt/slideLayouts/slideLayout12.xml><?xml version="1.0" encoding="utf-8"?>
-<p:sldLayout xmlns:a="http://schemas.openxmlformats.org/drawingml/2006/main" xmlns:r="http://schemas.openxmlformats.org/officeDocument/2006/relationships" xmlns:p="http://schemas.openxmlformats.org/presentationml/2006/main" type="tx">
+<p:sldLayout xmlns:a="http://schemas.openxmlformats.org/drawingml/2006/main" xmlns:r="http://schemas.openxmlformats.org/officeDocument/2006/relationships" xmlns:p="http://schemas.openxmlformats.org/presentationml/2006/main" xmlns:m="http://schemas.openxmlformats.org/officeDocument/2006/math" xmlns:a14="http://schemas.microsoft.com/office/drawing/2010/main" type="tx" showMasterSp="1" showMasterPhAnim="1">
   <p:cSld name="Blank">
     <p:spTree>
       <p:nvGrpSpPr>
@@ -850,9 +827,7 @@
       <p:sp>
         <p:nvSpPr>
           <p:cNvPr id="110" name="Slide Number"/>
-          <p:cNvSpPr txBox="1">
-            <a:spLocks noGrp="1"/>
-          </p:cNvSpPr>
+          <p:cNvSpPr txBox="1"/>
           <p:nvPr>
             <p:ph type="sldNum" sz="quarter" idx="2"/>
           </p:nvPr>
@@ -866,10 +841,8 @@
           <a:bodyPr/>
           <a:lstStyle/>
           <a:p>
-            <a:fld id="{86CB4B4D-7CA3-9044-876B-883B54F8677D}" type="slidenum">
-              <a:t>‹#›</a:t>
-            </a:fld>
-            <a:endParaRPr/>
+            <a:pPr/>
+            <a:fld id="{86CB4B4D-7CA3-9044-876B-883B54F8677D}" type="slidenum"/>
           </a:p>
         </p:txBody>
       </p:sp>
@@ -878,12 +851,12 @@
   <p:clrMapOvr>
     <a:masterClrMapping/>
   </p:clrMapOvr>
-  <p:transition spd="med"/>
+  <p:transition xmlns:p14="http://schemas.microsoft.com/office/powerpoint/2010/main" spd="med" advClick="1"/>
 </p:sldLayout>
 </file>
 
 <file path=ppt/slideLayouts/slideLayout2.xml><?xml version="1.0" encoding="utf-8"?>
-<p:sldLayout xmlns:a="http://schemas.openxmlformats.org/drawingml/2006/main" xmlns:r="http://schemas.openxmlformats.org/officeDocument/2006/relationships" xmlns:p="http://schemas.openxmlformats.org/presentationml/2006/main" type="tx">
+<p:sldLayout xmlns:a="http://schemas.openxmlformats.org/drawingml/2006/main" xmlns:r="http://schemas.openxmlformats.org/officeDocument/2006/relationships" xmlns:p="http://schemas.openxmlformats.org/presentationml/2006/main" xmlns:m="http://schemas.openxmlformats.org/officeDocument/2006/math" xmlns:a14="http://schemas.microsoft.com/office/drawing/2010/main" type="tx" showMasterSp="1" showMasterPhAnim="1">
   <p:cSld name="Photo - Horizontal">
     <p:spTree>
       <p:nvGrpSpPr>
@@ -902,9 +875,7 @@
       <p:sp>
         <p:nvSpPr>
           <p:cNvPr id="20" name="Image"/>
-          <p:cNvSpPr>
-            <a:spLocks noGrp="1"/>
-          </p:cNvSpPr>
+          <p:cNvSpPr/>
           <p:nvPr>
             <p:ph type="pic" sz="half" idx="13"/>
           </p:nvPr>
@@ -924,16 +895,14 @@
           </a:bodyPr>
           <a:lstStyle/>
           <a:p>
-            <a:endParaRPr/>
+            <a:pPr/>
           </a:p>
         </p:txBody>
       </p:sp>
       <p:sp>
         <p:nvSpPr>
           <p:cNvPr id="21" name="Title Text"/>
-          <p:cNvSpPr txBox="1">
-            <a:spLocks noGrp="1"/>
-          </p:cNvSpPr>
+          <p:cNvSpPr txBox="1"/>
           <p:nvPr>
             <p:ph type="title"/>
           </p:nvPr>
@@ -951,6 +920,7 @@
           <a:bodyPr/>
           <a:lstStyle/>
           <a:p>
+            <a:pPr/>
             <a:r>
               <a:t>Title Text</a:t>
             </a:r>
@@ -960,9 +930,7 @@
       <p:sp>
         <p:nvSpPr>
           <p:cNvPr id="22" name="Body Level One…"/>
-          <p:cNvSpPr txBox="1">
-            <a:spLocks noGrp="1"/>
-          </p:cNvSpPr>
+          <p:cNvSpPr txBox="1"/>
           <p:nvPr>
             <p:ph type="body" sz="quarter" idx="1"/>
           </p:nvPr>
@@ -980,6 +948,7 @@
           <a:bodyPr/>
           <a:lstStyle/>
           <a:p>
+            <a:pPr/>
             <a:r>
               <a:t>Body Level One</a:t>
             </a:r>
@@ -1013,9 +982,7 @@
       <p:sp>
         <p:nvSpPr>
           <p:cNvPr id="23" name="Slide Number"/>
-          <p:cNvSpPr txBox="1">
-            <a:spLocks noGrp="1"/>
-          </p:cNvSpPr>
+          <p:cNvSpPr txBox="1"/>
           <p:nvPr>
             <p:ph type="sldNum" sz="quarter" idx="2"/>
           </p:nvPr>
@@ -1029,10 +996,8 @@
           <a:bodyPr/>
           <a:lstStyle/>
           <a:p>
-            <a:fld id="{86CB4B4D-7CA3-9044-876B-883B54F8677D}" type="slidenum">
-              <a:t>‹#›</a:t>
-            </a:fld>
-            <a:endParaRPr/>
+            <a:pPr/>
+            <a:fld id="{86CB4B4D-7CA3-9044-876B-883B54F8677D}" type="slidenum"/>
           </a:p>
         </p:txBody>
       </p:sp>
@@ -1041,12 +1006,12 @@
   <p:clrMapOvr>
     <a:masterClrMapping/>
   </p:clrMapOvr>
-  <p:transition spd="med"/>
+  <p:transition xmlns:p14="http://schemas.microsoft.com/office/powerpoint/2010/main" spd="med" advClick="1"/>
 </p:sldLayout>
 </file>
 
 <file path=ppt/slideLayouts/slideLayout3.xml><?xml version="1.0" encoding="utf-8"?>
-<p:sldLayout xmlns:a="http://schemas.openxmlformats.org/drawingml/2006/main" xmlns:r="http://schemas.openxmlformats.org/officeDocument/2006/relationships" xmlns:p="http://schemas.openxmlformats.org/presentationml/2006/main" type="tx">
+<p:sldLayout xmlns:a="http://schemas.openxmlformats.org/drawingml/2006/main" xmlns:r="http://schemas.openxmlformats.org/officeDocument/2006/relationships" xmlns:p="http://schemas.openxmlformats.org/presentationml/2006/main" xmlns:m="http://schemas.openxmlformats.org/officeDocument/2006/math" xmlns:a14="http://schemas.microsoft.com/office/drawing/2010/main" type="tx" showMasterSp="1" showMasterPhAnim="1">
   <p:cSld name="Title - Center">
     <p:spTree>
       <p:nvGrpSpPr>
@@ -1065,9 +1030,7 @@
       <p:sp>
         <p:nvSpPr>
           <p:cNvPr id="30" name="Title Text"/>
-          <p:cNvSpPr txBox="1">
-            <a:spLocks noGrp="1"/>
-          </p:cNvSpPr>
+          <p:cNvSpPr txBox="1"/>
           <p:nvPr>
             <p:ph type="title"/>
           </p:nvPr>
@@ -1085,6 +1048,7 @@
           <a:bodyPr anchor="ctr"/>
           <a:lstStyle/>
           <a:p>
+            <a:pPr/>
             <a:r>
               <a:t>Title Text</a:t>
             </a:r>
@@ -1094,9 +1058,7 @@
       <p:sp>
         <p:nvSpPr>
           <p:cNvPr id="31" name="Slide Number"/>
-          <p:cNvSpPr txBox="1">
-            <a:spLocks noGrp="1"/>
-          </p:cNvSpPr>
+          <p:cNvSpPr txBox="1"/>
           <p:nvPr>
             <p:ph type="sldNum" sz="quarter" idx="2"/>
           </p:nvPr>
@@ -1110,10 +1072,8 @@
           <a:bodyPr/>
           <a:lstStyle/>
           <a:p>
-            <a:fld id="{86CB4B4D-7CA3-9044-876B-883B54F8677D}" type="slidenum">
-              <a:t>‹#›</a:t>
-            </a:fld>
-            <a:endParaRPr/>
+            <a:pPr/>
+            <a:fld id="{86CB4B4D-7CA3-9044-876B-883B54F8677D}" type="slidenum"/>
           </a:p>
         </p:txBody>
       </p:sp>
@@ -1122,12 +1082,12 @@
   <p:clrMapOvr>
     <a:masterClrMapping/>
   </p:clrMapOvr>
-  <p:transition spd="med"/>
+  <p:transition xmlns:p14="http://schemas.microsoft.com/office/powerpoint/2010/main" spd="med" advClick="1"/>
 </p:sldLayout>
 </file>
 
 <file path=ppt/slideLayouts/slideLayout4.xml><?xml version="1.0" encoding="utf-8"?>
-<p:sldLayout xmlns:a="http://schemas.openxmlformats.org/drawingml/2006/main" xmlns:r="http://schemas.openxmlformats.org/officeDocument/2006/relationships" xmlns:p="http://schemas.openxmlformats.org/presentationml/2006/main" type="tx">
+<p:sldLayout xmlns:a="http://schemas.openxmlformats.org/drawingml/2006/main" xmlns:r="http://schemas.openxmlformats.org/officeDocument/2006/relationships" xmlns:p="http://schemas.openxmlformats.org/presentationml/2006/main" xmlns:m="http://schemas.openxmlformats.org/officeDocument/2006/math" xmlns:a14="http://schemas.microsoft.com/office/drawing/2010/main" type="tx" showMasterSp="1" showMasterPhAnim="1">
   <p:cSld name="Photo - Vertical">
     <p:spTree>
       <p:nvGrpSpPr>
@@ -1146,9 +1106,7 @@
       <p:sp>
         <p:nvSpPr>
           <p:cNvPr id="38" name="Image"/>
-          <p:cNvSpPr>
-            <a:spLocks noGrp="1"/>
-          </p:cNvSpPr>
+          <p:cNvSpPr/>
           <p:nvPr>
             <p:ph type="pic" sz="half" idx="13"/>
           </p:nvPr>
@@ -1168,16 +1126,14 @@
           </a:bodyPr>
           <a:lstStyle/>
           <a:p>
-            <a:endParaRPr/>
+            <a:pPr/>
           </a:p>
         </p:txBody>
       </p:sp>
       <p:sp>
         <p:nvSpPr>
           <p:cNvPr id="39" name="Title Text"/>
-          <p:cNvSpPr txBox="1">
-            <a:spLocks noGrp="1"/>
-          </p:cNvSpPr>
+          <p:cNvSpPr txBox="1"/>
           <p:nvPr>
             <p:ph type="title"/>
           </p:nvPr>
@@ -1199,6 +1155,7 @@
             </a:lvl1pPr>
           </a:lstStyle>
           <a:p>
+            <a:pPr/>
             <a:r>
               <a:t>Title Text</a:t>
             </a:r>
@@ -1208,9 +1165,7 @@
       <p:sp>
         <p:nvSpPr>
           <p:cNvPr id="40" name="Body Level One…"/>
-          <p:cNvSpPr txBox="1">
-            <a:spLocks noGrp="1"/>
-          </p:cNvSpPr>
+          <p:cNvSpPr txBox="1"/>
           <p:nvPr>
             <p:ph type="body" sz="quarter" idx="1"/>
           </p:nvPr>
@@ -1228,6 +1183,7 @@
           <a:bodyPr/>
           <a:lstStyle/>
           <a:p>
+            <a:pPr/>
             <a:r>
               <a:t>Body Level One</a:t>
             </a:r>
@@ -1261,9 +1217,7 @@
       <p:sp>
         <p:nvSpPr>
           <p:cNvPr id="41" name="Slide Number"/>
-          <p:cNvSpPr txBox="1">
-            <a:spLocks noGrp="1"/>
-          </p:cNvSpPr>
+          <p:cNvSpPr txBox="1"/>
           <p:nvPr>
             <p:ph type="sldNum" sz="quarter" idx="2"/>
           </p:nvPr>
@@ -1277,10 +1231,8 @@
           <a:bodyPr/>
           <a:lstStyle/>
           <a:p>
-            <a:fld id="{86CB4B4D-7CA3-9044-876B-883B54F8677D}" type="slidenum">
-              <a:t>‹#›</a:t>
-            </a:fld>
-            <a:endParaRPr/>
+            <a:pPr/>
+            <a:fld id="{86CB4B4D-7CA3-9044-876B-883B54F8677D}" type="slidenum"/>
           </a:p>
         </p:txBody>
       </p:sp>
@@ -1289,12 +1241,12 @@
   <p:clrMapOvr>
     <a:masterClrMapping/>
   </p:clrMapOvr>
-  <p:transition spd="med"/>
+  <p:transition xmlns:p14="http://schemas.microsoft.com/office/powerpoint/2010/main" spd="med" advClick="1"/>
 </p:sldLayout>
 </file>
 
 <file path=ppt/slideLayouts/slideLayout5.xml><?xml version="1.0" encoding="utf-8"?>
-<p:sldLayout xmlns:a="http://schemas.openxmlformats.org/drawingml/2006/main" xmlns:r="http://schemas.openxmlformats.org/officeDocument/2006/relationships" xmlns:p="http://schemas.openxmlformats.org/presentationml/2006/main" type="tx">
+<p:sldLayout xmlns:a="http://schemas.openxmlformats.org/drawingml/2006/main" xmlns:r="http://schemas.openxmlformats.org/officeDocument/2006/relationships" xmlns:p="http://schemas.openxmlformats.org/presentationml/2006/main" xmlns:m="http://schemas.openxmlformats.org/officeDocument/2006/math" xmlns:a14="http://schemas.microsoft.com/office/drawing/2010/main" type="tx" showMasterSp="1" showMasterPhAnim="1">
   <p:cSld name="Title - Top">
     <p:spTree>
       <p:nvGrpSpPr>
@@ -1313,9 +1265,7 @@
       <p:sp>
         <p:nvSpPr>
           <p:cNvPr id="48" name="Title Text"/>
-          <p:cNvSpPr txBox="1">
-            <a:spLocks noGrp="1"/>
-          </p:cNvSpPr>
+          <p:cNvSpPr txBox="1"/>
           <p:nvPr>
             <p:ph type="title"/>
           </p:nvPr>
@@ -1333,6 +1283,7 @@
           <a:bodyPr anchor="ctr"/>
           <a:lstStyle/>
           <a:p>
+            <a:pPr/>
             <a:r>
               <a:t>Title Text</a:t>
             </a:r>
@@ -1342,9 +1293,7 @@
       <p:sp>
         <p:nvSpPr>
           <p:cNvPr id="49" name="Slide Number"/>
-          <p:cNvSpPr txBox="1">
-            <a:spLocks noGrp="1"/>
-          </p:cNvSpPr>
+          <p:cNvSpPr txBox="1"/>
           <p:nvPr>
             <p:ph type="sldNum" sz="quarter" idx="2"/>
           </p:nvPr>
@@ -1358,10 +1307,8 @@
           <a:bodyPr/>
           <a:lstStyle/>
           <a:p>
-            <a:fld id="{86CB4B4D-7CA3-9044-876B-883B54F8677D}" type="slidenum">
-              <a:t>‹#›</a:t>
-            </a:fld>
-            <a:endParaRPr/>
+            <a:pPr/>
+            <a:fld id="{86CB4B4D-7CA3-9044-876B-883B54F8677D}" type="slidenum"/>
           </a:p>
         </p:txBody>
       </p:sp>
@@ -1370,12 +1317,12 @@
   <p:clrMapOvr>
     <a:masterClrMapping/>
   </p:clrMapOvr>
-  <p:transition spd="med"/>
+  <p:transition xmlns:p14="http://schemas.microsoft.com/office/powerpoint/2010/main" spd="med" advClick="1"/>
 </p:sldLayout>
 </file>
 
 <file path=ppt/slideLayouts/slideLayout6.xml><?xml version="1.0" encoding="utf-8"?>
-<p:sldLayout xmlns:a="http://schemas.openxmlformats.org/drawingml/2006/main" xmlns:r="http://schemas.openxmlformats.org/officeDocument/2006/relationships" xmlns:p="http://schemas.openxmlformats.org/presentationml/2006/main" type="tx">
+<p:sldLayout xmlns:a="http://schemas.openxmlformats.org/drawingml/2006/main" xmlns:r="http://schemas.openxmlformats.org/officeDocument/2006/relationships" xmlns:p="http://schemas.openxmlformats.org/presentationml/2006/main" xmlns:m="http://schemas.openxmlformats.org/officeDocument/2006/math" xmlns:a14="http://schemas.microsoft.com/office/drawing/2010/main" type="tx" showMasterSp="1" showMasterPhAnim="1">
   <p:cSld name="Title &amp; Bullets">
     <p:spTree>
       <p:nvGrpSpPr>
@@ -1394,9 +1341,7 @@
       <p:sp>
         <p:nvSpPr>
           <p:cNvPr id="56" name="Title Text"/>
-          <p:cNvSpPr txBox="1">
-            <a:spLocks noGrp="1"/>
-          </p:cNvSpPr>
+          <p:cNvSpPr txBox="1"/>
           <p:nvPr>
             <p:ph type="title"/>
           </p:nvPr>
@@ -1414,6 +1359,7 @@
           <a:bodyPr anchor="ctr"/>
           <a:lstStyle/>
           <a:p>
+            <a:pPr/>
             <a:r>
               <a:t>Title Text</a:t>
             </a:r>
@@ -1423,9 +1369,7 @@
       <p:sp>
         <p:nvSpPr>
           <p:cNvPr id="57" name="Body Level One…"/>
-          <p:cNvSpPr txBox="1">
-            <a:spLocks noGrp="1"/>
-          </p:cNvSpPr>
+          <p:cNvSpPr txBox="1"/>
           <p:nvPr>
             <p:ph type="body" sz="half" idx="1"/>
           </p:nvPr>
@@ -1484,6 +1428,7 @@
             </a:lvl5pPr>
           </a:lstStyle>
           <a:p>
+            <a:pPr/>
             <a:r>
               <a:t>Body Level One</a:t>
             </a:r>
@@ -1517,9 +1462,7 @@
       <p:sp>
         <p:nvSpPr>
           <p:cNvPr id="58" name="Slide Number"/>
-          <p:cNvSpPr txBox="1">
-            <a:spLocks noGrp="1"/>
-          </p:cNvSpPr>
+          <p:cNvSpPr txBox="1"/>
           <p:nvPr>
             <p:ph type="sldNum" sz="quarter" idx="2"/>
           </p:nvPr>
@@ -1533,10 +1476,8 @@
           <a:bodyPr/>
           <a:lstStyle/>
           <a:p>
-            <a:fld id="{86CB4B4D-7CA3-9044-876B-883B54F8677D}" type="slidenum">
-              <a:t>‹#›</a:t>
-            </a:fld>
-            <a:endParaRPr/>
+            <a:pPr/>
+            <a:fld id="{86CB4B4D-7CA3-9044-876B-883B54F8677D}" type="slidenum"/>
           </a:p>
         </p:txBody>
       </p:sp>
@@ -1545,12 +1486,12 @@
   <p:clrMapOvr>
     <a:masterClrMapping/>
   </p:clrMapOvr>
-  <p:transition spd="med"/>
+  <p:transition xmlns:p14="http://schemas.microsoft.com/office/powerpoint/2010/main" spd="med" advClick="1"/>
 </p:sldLayout>
 </file>
 
 <file path=ppt/slideLayouts/slideLayout7.xml><?xml version="1.0" encoding="utf-8"?>
-<p:sldLayout xmlns:a="http://schemas.openxmlformats.org/drawingml/2006/main" xmlns:r="http://schemas.openxmlformats.org/officeDocument/2006/relationships" xmlns:p="http://schemas.openxmlformats.org/presentationml/2006/main" type="tx">
+<p:sldLayout xmlns:a="http://schemas.openxmlformats.org/drawingml/2006/main" xmlns:r="http://schemas.openxmlformats.org/officeDocument/2006/relationships" xmlns:p="http://schemas.openxmlformats.org/presentationml/2006/main" xmlns:m="http://schemas.openxmlformats.org/officeDocument/2006/math" xmlns:a14="http://schemas.microsoft.com/office/drawing/2010/main" type="tx" showMasterSp="1" showMasterPhAnim="1">
   <p:cSld name="Title, Bullets &amp; Photo">
     <p:spTree>
       <p:nvGrpSpPr>
@@ -1569,9 +1510,7 @@
       <p:sp>
         <p:nvSpPr>
           <p:cNvPr id="65" name="Image"/>
-          <p:cNvSpPr>
-            <a:spLocks noGrp="1"/>
-          </p:cNvSpPr>
+          <p:cNvSpPr/>
           <p:nvPr>
             <p:ph type="pic" sz="quarter" idx="13"/>
           </p:nvPr>
@@ -1591,16 +1530,14 @@
           </a:bodyPr>
           <a:lstStyle/>
           <a:p>
-            <a:endParaRPr/>
+            <a:pPr/>
           </a:p>
         </p:txBody>
       </p:sp>
       <p:sp>
         <p:nvSpPr>
           <p:cNvPr id="66" name="Title Text"/>
-          <p:cNvSpPr txBox="1">
-            <a:spLocks noGrp="1"/>
-          </p:cNvSpPr>
+          <p:cNvSpPr txBox="1"/>
           <p:nvPr>
             <p:ph type="title"/>
           </p:nvPr>
@@ -1618,6 +1555,7 @@
           <a:bodyPr anchor="ctr"/>
           <a:lstStyle/>
           <a:p>
+            <a:pPr/>
             <a:r>
               <a:t>Title Text</a:t>
             </a:r>
@@ -1627,9 +1565,7 @@
       <p:sp>
         <p:nvSpPr>
           <p:cNvPr id="67" name="Body Level One…"/>
-          <p:cNvSpPr txBox="1">
-            <a:spLocks noGrp="1"/>
-          </p:cNvSpPr>
+          <p:cNvSpPr txBox="1"/>
           <p:nvPr>
             <p:ph type="body" sz="quarter" idx="1"/>
           </p:nvPr>
@@ -1688,6 +1624,7 @@
             </a:lvl5pPr>
           </a:lstStyle>
           <a:p>
+            <a:pPr/>
             <a:r>
               <a:t>Body Level One</a:t>
             </a:r>
@@ -1721,9 +1658,7 @@
       <p:sp>
         <p:nvSpPr>
           <p:cNvPr id="68" name="Slide Number"/>
-          <p:cNvSpPr txBox="1">
-            <a:spLocks noGrp="1"/>
-          </p:cNvSpPr>
+          <p:cNvSpPr txBox="1"/>
           <p:nvPr>
             <p:ph type="sldNum" sz="quarter" idx="2"/>
           </p:nvPr>
@@ -1737,10 +1672,8 @@
           <a:bodyPr/>
           <a:lstStyle/>
           <a:p>
-            <a:fld id="{86CB4B4D-7CA3-9044-876B-883B54F8677D}" type="slidenum">
-              <a:t>‹#›</a:t>
-            </a:fld>
-            <a:endParaRPr/>
+            <a:pPr/>
+            <a:fld id="{86CB4B4D-7CA3-9044-876B-883B54F8677D}" type="slidenum"/>
           </a:p>
         </p:txBody>
       </p:sp>
@@ -1749,12 +1682,12 @@
   <p:clrMapOvr>
     <a:masterClrMapping/>
   </p:clrMapOvr>
-  <p:transition spd="med"/>
+  <p:transition xmlns:p14="http://schemas.microsoft.com/office/powerpoint/2010/main" spd="med" advClick="1"/>
 </p:sldLayout>
 </file>
 
 <file path=ppt/slideLayouts/slideLayout8.xml><?xml version="1.0" encoding="utf-8"?>
-<p:sldLayout xmlns:a="http://schemas.openxmlformats.org/drawingml/2006/main" xmlns:r="http://schemas.openxmlformats.org/officeDocument/2006/relationships" xmlns:p="http://schemas.openxmlformats.org/presentationml/2006/main" type="tx">
+<p:sldLayout xmlns:a="http://schemas.openxmlformats.org/drawingml/2006/main" xmlns:r="http://schemas.openxmlformats.org/officeDocument/2006/relationships" xmlns:p="http://schemas.openxmlformats.org/presentationml/2006/main" xmlns:m="http://schemas.openxmlformats.org/officeDocument/2006/math" xmlns:a14="http://schemas.microsoft.com/office/drawing/2010/main" type="tx" showMasterSp="1" showMasterPhAnim="1">
   <p:cSld name="Bullets">
     <p:spTree>
       <p:nvGrpSpPr>
@@ -1773,9 +1706,7 @@
       <p:sp>
         <p:nvSpPr>
           <p:cNvPr id="75" name="Body Level One…"/>
-          <p:cNvSpPr txBox="1">
-            <a:spLocks noGrp="1"/>
-          </p:cNvSpPr>
+          <p:cNvSpPr txBox="1"/>
           <p:nvPr>
             <p:ph type="body" sz="half" idx="1"/>
           </p:nvPr>
@@ -1834,6 +1765,7 @@
             </a:lvl5pPr>
           </a:lstStyle>
           <a:p>
+            <a:pPr/>
             <a:r>
               <a:t>Body Level One</a:t>
             </a:r>
@@ -1867,9 +1799,7 @@
       <p:sp>
         <p:nvSpPr>
           <p:cNvPr id="76" name="Slide Number"/>
-          <p:cNvSpPr txBox="1">
-            <a:spLocks noGrp="1"/>
-          </p:cNvSpPr>
+          <p:cNvSpPr txBox="1"/>
           <p:nvPr>
             <p:ph type="sldNum" sz="quarter" idx="2"/>
           </p:nvPr>
@@ -1883,10 +1813,8 @@
           <a:bodyPr/>
           <a:lstStyle/>
           <a:p>
-            <a:fld id="{86CB4B4D-7CA3-9044-876B-883B54F8677D}" type="slidenum">
-              <a:t>‹#›</a:t>
-            </a:fld>
-            <a:endParaRPr/>
+            <a:pPr/>
+            <a:fld id="{86CB4B4D-7CA3-9044-876B-883B54F8677D}" type="slidenum"/>
           </a:p>
         </p:txBody>
       </p:sp>
@@ -1895,12 +1823,12 @@
   <p:clrMapOvr>
     <a:masterClrMapping/>
   </p:clrMapOvr>
-  <p:transition spd="med"/>
+  <p:transition xmlns:p14="http://schemas.microsoft.com/office/powerpoint/2010/main" spd="med" advClick="1"/>
 </p:sldLayout>
 </file>
 
 <file path=ppt/slideLayouts/slideLayout9.xml><?xml version="1.0" encoding="utf-8"?>
-<p:sldLayout xmlns:a="http://schemas.openxmlformats.org/drawingml/2006/main" xmlns:r="http://schemas.openxmlformats.org/officeDocument/2006/relationships" xmlns:p="http://schemas.openxmlformats.org/presentationml/2006/main" type="tx">
+<p:sldLayout xmlns:a="http://schemas.openxmlformats.org/drawingml/2006/main" xmlns:r="http://schemas.openxmlformats.org/officeDocument/2006/relationships" xmlns:p="http://schemas.openxmlformats.org/presentationml/2006/main" xmlns:m="http://schemas.openxmlformats.org/officeDocument/2006/math" xmlns:a14="http://schemas.microsoft.com/office/drawing/2010/main" type="tx" showMasterSp="1" showMasterPhAnim="1">
   <p:cSld name="Photo - 3 Up">
     <p:spTree>
       <p:nvGrpSpPr>
@@ -1919,9 +1847,7 @@
       <p:sp>
         <p:nvSpPr>
           <p:cNvPr id="83" name="Image"/>
-          <p:cNvSpPr>
-            <a:spLocks noGrp="1"/>
-          </p:cNvSpPr>
+          <p:cNvSpPr/>
           <p:nvPr>
             <p:ph type="pic" sz="quarter" idx="13"/>
           </p:nvPr>
@@ -1941,16 +1867,14 @@
           </a:bodyPr>
           <a:lstStyle/>
           <a:p>
-            <a:endParaRPr/>
+            <a:pPr/>
           </a:p>
         </p:txBody>
       </p:sp>
       <p:sp>
         <p:nvSpPr>
           <p:cNvPr id="84" name="Image"/>
-          <p:cNvSpPr>
-            <a:spLocks noGrp="1"/>
-          </p:cNvSpPr>
+          <p:cNvSpPr/>
           <p:nvPr>
             <p:ph type="pic" sz="quarter" idx="14"/>
           </p:nvPr>
@@ -1970,16 +1894,14 @@
           </a:bodyPr>
           <a:lstStyle/>
           <a:p>
-            <a:endParaRPr/>
+            <a:pPr/>
           </a:p>
         </p:txBody>
       </p:sp>
       <p:sp>
         <p:nvSpPr>
           <p:cNvPr id="85" name="Image"/>
-          <p:cNvSpPr>
-            <a:spLocks noGrp="1"/>
-          </p:cNvSpPr>
+          <p:cNvSpPr/>
           <p:nvPr>
             <p:ph type="pic" sz="half" idx="15"/>
           </p:nvPr>
@@ -1999,16 +1921,14 @@
           </a:bodyPr>
           <a:lstStyle/>
           <a:p>
-            <a:endParaRPr/>
+            <a:pPr/>
           </a:p>
         </p:txBody>
       </p:sp>
       <p:sp>
         <p:nvSpPr>
           <p:cNvPr id="86" name="Slide Number"/>
-          <p:cNvSpPr txBox="1">
-            <a:spLocks noGrp="1"/>
-          </p:cNvSpPr>
+          <p:cNvSpPr txBox="1"/>
           <p:nvPr>
             <p:ph type="sldNum" sz="quarter" idx="2"/>
           </p:nvPr>
@@ -2022,10 +1942,8 @@
           <a:bodyPr/>
           <a:lstStyle/>
           <a:p>
-            <a:fld id="{86CB4B4D-7CA3-9044-876B-883B54F8677D}" type="slidenum">
-              <a:t>‹#›</a:t>
-            </a:fld>
-            <a:endParaRPr/>
+            <a:pPr/>
+            <a:fld id="{86CB4B4D-7CA3-9044-876B-883B54F8677D}" type="slidenum"/>
           </a:p>
         </p:txBody>
       </p:sp>
@@ -2034,19 +1952,18 @@
   <p:clrMapOvr>
     <a:masterClrMapping/>
   </p:clrMapOvr>
-  <p:transition spd="med"/>
+  <p:transition xmlns:p14="http://schemas.microsoft.com/office/powerpoint/2010/main" spd="med" advClick="1"/>
 </p:sldLayout>
 </file>
 
 <file path=ppt/slideMasters/slideMaster1.xml><?xml version="1.0" encoding="utf-8"?>
-<p:sldMaster xmlns:a="http://schemas.openxmlformats.org/drawingml/2006/main" xmlns:r="http://schemas.openxmlformats.org/officeDocument/2006/relationships" xmlns:p="http://schemas.openxmlformats.org/presentationml/2006/main">
+<p:sldMaster xmlns:a="http://schemas.openxmlformats.org/drawingml/2006/main" xmlns:r="http://schemas.openxmlformats.org/officeDocument/2006/relationships" xmlns:p="http://schemas.openxmlformats.org/presentationml/2006/main" xmlns:m="http://schemas.openxmlformats.org/officeDocument/2006/math" xmlns:a14="http://schemas.microsoft.com/office/drawing/2010/main">
   <p:cSld>
     <p:bg>
       <p:bgPr>
         <a:solidFill>
           <a:srgbClr val="FFFFFF"/>
         </a:solidFill>
-        <a:effectLst/>
       </p:bgPr>
     </p:bg>
     <p:spTree>
@@ -2066,9 +1983,7 @@
       <p:sp>
         <p:nvSpPr>
           <p:cNvPr id="2" name="Title Text"/>
-          <p:cNvSpPr txBox="1">
-            <a:spLocks noGrp="1"/>
-          </p:cNvSpPr>
+          <p:cNvSpPr txBox="1"/>
           <p:nvPr>
             <p:ph type="title"/>
           </p:nvPr>
@@ -2092,10 +2007,11 @@
         </p:spPr>
         <p:txBody>
           <a:bodyPr lIns="57150" tIns="57150" rIns="57150" bIns="57150" anchor="b">
-            <a:normAutofit/>
+            <a:normAutofit fontScale="100000" lnSpcReduction="0"/>
           </a:bodyPr>
           <a:lstStyle/>
           <a:p>
+            <a:pPr/>
             <a:r>
               <a:t>Title Text</a:t>
             </a:r>
@@ -2105,9 +2021,7 @@
       <p:sp>
         <p:nvSpPr>
           <p:cNvPr id="3" name="Body Level One…"/>
-          <p:cNvSpPr txBox="1">
-            <a:spLocks noGrp="1"/>
-          </p:cNvSpPr>
+          <p:cNvSpPr txBox="1"/>
           <p:nvPr>
             <p:ph type="body" idx="1"/>
           </p:nvPr>
@@ -2131,10 +2045,11 @@
         </p:spPr>
         <p:txBody>
           <a:bodyPr lIns="57150" tIns="57150" rIns="57150" bIns="57150">
-            <a:normAutofit/>
+            <a:normAutofit fontScale="100000" lnSpcReduction="0"/>
           </a:bodyPr>
           <a:lstStyle/>
           <a:p>
+            <a:pPr/>
             <a:r>
               <a:t>Body Level One</a:t>
             </a:r>
@@ -2168,9 +2083,7 @@
       <p:sp>
         <p:nvSpPr>
           <p:cNvPr id="4" name="Slide Number"/>
-          <p:cNvSpPr txBox="1">
-            <a:spLocks noGrp="1"/>
-          </p:cNvSpPr>
+          <p:cNvSpPr txBox="1"/>
           <p:nvPr>
             <p:ph type="sldNum" sz="quarter" idx="2"/>
           </p:nvPr>
@@ -2193,7 +2106,7 @@
           </a:bodyPr>
           <a:lstStyle>
             <a:lvl1pPr>
-              <a:defRPr sz="6400" b="0">
+              <a:defRPr b="0" sz="6400">
                 <a:latin typeface="Helvetica Neue Light"/>
                 <a:ea typeface="Helvetica Neue Light"/>
                 <a:cs typeface="Helvetica Neue Light"/>
@@ -2202,10 +2115,8 @@
             </a:lvl1pPr>
           </a:lstStyle>
           <a:p>
-            <a:fld id="{86CB4B4D-7CA3-9044-876B-883B54F8677D}" type="slidenum">
-              <a:t>‹#›</a:t>
-            </a:fld>
-            <a:endParaRPr/>
+            <a:pPr/>
+            <a:fld id="{86CB4B4D-7CA3-9044-876B-883B54F8677D}" type="slidenum"/>
           </a:p>
         </p:txBody>
       </p:sp>
@@ -2213,20 +2124,20 @@
   </p:cSld>
   <p:clrMap bg1="lt1" tx1="dk1" bg2="lt2" tx2="dk2" accent1="accent1" accent2="accent2" accent3="accent3" accent4="accent4" accent5="accent5" accent6="accent6" hlink="hlink" folHlink="folHlink"/>
   <p:sldLayoutIdLst>
-    <p:sldLayoutId id="2147483649" r:id="rId1"/>
-    <p:sldLayoutId id="2147483650" r:id="rId2"/>
-    <p:sldLayoutId id="2147483651" r:id="rId3"/>
-    <p:sldLayoutId id="2147483652" r:id="rId4"/>
-    <p:sldLayoutId id="2147483653" r:id="rId5"/>
-    <p:sldLayoutId id="2147483654" r:id="rId6"/>
-    <p:sldLayoutId id="2147483655" r:id="rId7"/>
-    <p:sldLayoutId id="2147483656" r:id="rId8"/>
-    <p:sldLayoutId id="2147483657" r:id="rId9"/>
-    <p:sldLayoutId id="2147483658" r:id="rId10"/>
-    <p:sldLayoutId id="2147483659" r:id="rId11"/>
-    <p:sldLayoutId id="2147483660" r:id="rId12"/>
+    <p:sldLayoutId id="2147483649" r:id="rId2"/>
+    <p:sldLayoutId id="2147483650" r:id="rId3"/>
+    <p:sldLayoutId id="2147483651" r:id="rId4"/>
+    <p:sldLayoutId id="2147483652" r:id="rId5"/>
+    <p:sldLayoutId id="2147483653" r:id="rId6"/>
+    <p:sldLayoutId id="2147483654" r:id="rId7"/>
+    <p:sldLayoutId id="2147483655" r:id="rId8"/>
+    <p:sldLayoutId id="2147483656" r:id="rId9"/>
+    <p:sldLayoutId id="2147483657" r:id="rId10"/>
+    <p:sldLayoutId id="2147483658" r:id="rId11"/>
+    <p:sldLayoutId id="2147483659" r:id="rId12"/>
+    <p:sldLayoutId id="2147483660" r:id="rId13"/>
   </p:sldLayoutIdLst>
-  <p:transition spd="med"/>
+  <p:transition xmlns:p14="http://schemas.microsoft.com/office/powerpoint/2010/main" spd="med" advClick="1"/>
   <p:txStyles>
     <p:titleStyle>
       <a:lvl1pPr marL="0" marR="0" indent="0" algn="ctr" defTabSz="2201333" rtl="0" latinLnBrk="0">
@@ -2244,7 +2155,7 @@
         <a:buFontTx/>
         <a:buNone/>
         <a:tabLst/>
-        <a:defRPr sz="29800" b="0" i="0" u="none" strike="noStrike" cap="none" spc="0" baseline="0">
+        <a:defRPr b="0" baseline="0" cap="none" i="0" spc="0" strike="noStrike" sz="29800" u="none">
           <a:solidFill>
             <a:srgbClr val="000000"/>
           </a:solidFill>
@@ -2270,7 +2181,7 @@
         <a:buFontTx/>
         <a:buNone/>
         <a:tabLst/>
-        <a:defRPr sz="29800" b="0" i="0" u="none" strike="noStrike" cap="none" spc="0" baseline="0">
+        <a:defRPr b="0" baseline="0" cap="none" i="0" spc="0" strike="noStrike" sz="29800" u="none">
           <a:solidFill>
             <a:srgbClr val="000000"/>
           </a:solidFill>
@@ -2296,7 +2207,7 @@
         <a:buFontTx/>
         <a:buNone/>
         <a:tabLst/>
-        <a:defRPr sz="29800" b="0" i="0" u="none" strike="noStrike" cap="none" spc="0" baseline="0">
+        <a:defRPr b="0" baseline="0" cap="none" i="0" spc="0" strike="noStrike" sz="29800" u="none">
           <a:solidFill>
             <a:srgbClr val="000000"/>
           </a:solidFill>
@@ -2322,7 +2233,7 @@
         <a:buFontTx/>
         <a:buNone/>
         <a:tabLst/>
-        <a:defRPr sz="29800" b="0" i="0" u="none" strike="noStrike" cap="none" spc="0" baseline="0">
+        <a:defRPr b="0" baseline="0" cap="none" i="0" spc="0" strike="noStrike" sz="29800" u="none">
           <a:solidFill>
             <a:srgbClr val="000000"/>
           </a:solidFill>
@@ -2348,7 +2259,7 @@
         <a:buFontTx/>
         <a:buNone/>
         <a:tabLst/>
-        <a:defRPr sz="29800" b="0" i="0" u="none" strike="noStrike" cap="none" spc="0" baseline="0">
+        <a:defRPr b="0" baseline="0" cap="none" i="0" spc="0" strike="noStrike" sz="29800" u="none">
           <a:solidFill>
             <a:srgbClr val="000000"/>
           </a:solidFill>
@@ -2374,7 +2285,7 @@
         <a:buFontTx/>
         <a:buNone/>
         <a:tabLst/>
-        <a:defRPr sz="29800" b="0" i="0" u="none" strike="noStrike" cap="none" spc="0" baseline="0">
+        <a:defRPr b="0" baseline="0" cap="none" i="0" spc="0" strike="noStrike" sz="29800" u="none">
           <a:solidFill>
             <a:srgbClr val="000000"/>
           </a:solidFill>
@@ -2400,7 +2311,7 @@
         <a:buFontTx/>
         <a:buNone/>
         <a:tabLst/>
-        <a:defRPr sz="29800" b="0" i="0" u="none" strike="noStrike" cap="none" spc="0" baseline="0">
+        <a:defRPr b="0" baseline="0" cap="none" i="0" spc="0" strike="noStrike" sz="29800" u="none">
           <a:solidFill>
             <a:srgbClr val="000000"/>
           </a:solidFill>
@@ -2426,7 +2337,7 @@
         <a:buFontTx/>
         <a:buNone/>
         <a:tabLst/>
-        <a:defRPr sz="29800" b="0" i="0" u="none" strike="noStrike" cap="none" spc="0" baseline="0">
+        <a:defRPr b="0" baseline="0" cap="none" i="0" spc="0" strike="noStrike" sz="29800" u="none">
           <a:solidFill>
             <a:srgbClr val="000000"/>
           </a:solidFill>
@@ -2452,7 +2363,7 @@
         <a:buFontTx/>
         <a:buNone/>
         <a:tabLst/>
-        <a:defRPr sz="29800" b="0" i="0" u="none" strike="noStrike" cap="none" spc="0" baseline="0">
+        <a:defRPr b="0" baseline="0" cap="none" i="0" spc="0" strike="noStrike" sz="29800" u="none">
           <a:solidFill>
             <a:srgbClr val="000000"/>
           </a:solidFill>
@@ -2480,7 +2391,7 @@
         <a:buFontTx/>
         <a:buNone/>
         <a:tabLst/>
-        <a:defRPr sz="14400" b="0" i="0" u="none" strike="noStrike" cap="none" spc="0" baseline="0">
+        <a:defRPr b="0" baseline="0" cap="none" i="0" spc="0" strike="noStrike" sz="14400" u="none">
           <a:solidFill>
             <a:srgbClr val="000000"/>
           </a:solidFill>
@@ -2506,7 +2417,7 @@
         <a:buFontTx/>
         <a:buNone/>
         <a:tabLst/>
-        <a:defRPr sz="14400" b="0" i="0" u="none" strike="noStrike" cap="none" spc="0" baseline="0">
+        <a:defRPr b="0" baseline="0" cap="none" i="0" spc="0" strike="noStrike" sz="14400" u="none">
           <a:solidFill>
             <a:srgbClr val="000000"/>
           </a:solidFill>
@@ -2532,7 +2443,7 @@
         <a:buFontTx/>
         <a:buNone/>
         <a:tabLst/>
-        <a:defRPr sz="14400" b="0" i="0" u="none" strike="noStrike" cap="none" spc="0" baseline="0">
+        <a:defRPr b="0" baseline="0" cap="none" i="0" spc="0" strike="noStrike" sz="14400" u="none">
           <a:solidFill>
             <a:srgbClr val="000000"/>
           </a:solidFill>
@@ -2558,7 +2469,7 @@
         <a:buFontTx/>
         <a:buNone/>
         <a:tabLst/>
-        <a:defRPr sz="14400" b="0" i="0" u="none" strike="noStrike" cap="none" spc="0" baseline="0">
+        <a:defRPr b="0" baseline="0" cap="none" i="0" spc="0" strike="noStrike" sz="14400" u="none">
           <a:solidFill>
             <a:srgbClr val="000000"/>
           </a:solidFill>
@@ -2584,7 +2495,7 @@
         <a:buFontTx/>
         <a:buNone/>
         <a:tabLst/>
-        <a:defRPr sz="14400" b="0" i="0" u="none" strike="noStrike" cap="none" spc="0" baseline="0">
+        <a:defRPr b="0" baseline="0" cap="none" i="0" spc="0" strike="noStrike" sz="14400" u="none">
           <a:solidFill>
             <a:srgbClr val="000000"/>
           </a:solidFill>
@@ -2610,7 +2521,7 @@
         <a:buFontTx/>
         <a:buNone/>
         <a:tabLst/>
-        <a:defRPr sz="14400" b="0" i="0" u="none" strike="noStrike" cap="none" spc="0" baseline="0">
+        <a:defRPr b="0" baseline="0" cap="none" i="0" spc="0" strike="noStrike" sz="14400" u="none">
           <a:solidFill>
             <a:srgbClr val="000000"/>
           </a:solidFill>
@@ -2636,7 +2547,7 @@
         <a:buFontTx/>
         <a:buNone/>
         <a:tabLst/>
-        <a:defRPr sz="14400" b="0" i="0" u="none" strike="noStrike" cap="none" spc="0" baseline="0">
+        <a:defRPr b="0" baseline="0" cap="none" i="0" spc="0" strike="noStrike" sz="14400" u="none">
           <a:solidFill>
             <a:srgbClr val="000000"/>
           </a:solidFill>
@@ -2662,7 +2573,7 @@
         <a:buFontTx/>
         <a:buNone/>
         <a:tabLst/>
-        <a:defRPr sz="14400" b="0" i="0" u="none" strike="noStrike" cap="none" spc="0" baseline="0">
+        <a:defRPr b="0" baseline="0" cap="none" i="0" spc="0" strike="noStrike" sz="14400" u="none">
           <a:solidFill>
             <a:srgbClr val="000000"/>
           </a:solidFill>
@@ -2688,7 +2599,7 @@
         <a:buFontTx/>
         <a:buNone/>
         <a:tabLst/>
-        <a:defRPr sz="14400" b="0" i="0" u="none" strike="noStrike" cap="none" spc="0" baseline="0">
+        <a:defRPr b="0" baseline="0" cap="none" i="0" spc="0" strike="noStrike" sz="14400" u="none">
           <a:solidFill>
             <a:srgbClr val="000000"/>
           </a:solidFill>
@@ -2716,7 +2627,7 @@
         <a:buFontTx/>
         <a:buNone/>
         <a:tabLst/>
-        <a:defRPr sz="6400" b="0" i="0" u="none" strike="noStrike" cap="none" spc="0" baseline="0">
+        <a:defRPr b="0" baseline="0" cap="none" i="0" spc="0" strike="noStrike" sz="6400" u="none">
           <a:solidFill>
             <a:schemeClr val="tx1"/>
           </a:solidFill>
@@ -2742,7 +2653,7 @@
         <a:buFontTx/>
         <a:buNone/>
         <a:tabLst/>
-        <a:defRPr sz="6400" b="0" i="0" u="none" strike="noStrike" cap="none" spc="0" baseline="0">
+        <a:defRPr b="0" baseline="0" cap="none" i="0" spc="0" strike="noStrike" sz="6400" u="none">
           <a:solidFill>
             <a:schemeClr val="tx1"/>
           </a:solidFill>
@@ -2768,7 +2679,7 @@
         <a:buFontTx/>
         <a:buNone/>
         <a:tabLst/>
-        <a:defRPr sz="6400" b="0" i="0" u="none" strike="noStrike" cap="none" spc="0" baseline="0">
+        <a:defRPr b="0" baseline="0" cap="none" i="0" spc="0" strike="noStrike" sz="6400" u="none">
           <a:solidFill>
             <a:schemeClr val="tx1"/>
           </a:solidFill>
@@ -2794,7 +2705,7 @@
         <a:buFontTx/>
         <a:buNone/>
         <a:tabLst/>
-        <a:defRPr sz="6400" b="0" i="0" u="none" strike="noStrike" cap="none" spc="0" baseline="0">
+        <a:defRPr b="0" baseline="0" cap="none" i="0" spc="0" strike="noStrike" sz="6400" u="none">
           <a:solidFill>
             <a:schemeClr val="tx1"/>
           </a:solidFill>
@@ -2820,7 +2731,7 @@
         <a:buFontTx/>
         <a:buNone/>
         <a:tabLst/>
-        <a:defRPr sz="6400" b="0" i="0" u="none" strike="noStrike" cap="none" spc="0" baseline="0">
+        <a:defRPr b="0" baseline="0" cap="none" i="0" spc="0" strike="noStrike" sz="6400" u="none">
           <a:solidFill>
             <a:schemeClr val="tx1"/>
           </a:solidFill>
@@ -2846,7 +2757,7 @@
         <a:buFontTx/>
         <a:buNone/>
         <a:tabLst/>
-        <a:defRPr sz="6400" b="0" i="0" u="none" strike="noStrike" cap="none" spc="0" baseline="0">
+        <a:defRPr b="0" baseline="0" cap="none" i="0" spc="0" strike="noStrike" sz="6400" u="none">
           <a:solidFill>
             <a:schemeClr val="tx1"/>
           </a:solidFill>
@@ -2872,7 +2783,7 @@
         <a:buFontTx/>
         <a:buNone/>
         <a:tabLst/>
-        <a:defRPr sz="6400" b="0" i="0" u="none" strike="noStrike" cap="none" spc="0" baseline="0">
+        <a:defRPr b="0" baseline="0" cap="none" i="0" spc="0" strike="noStrike" sz="6400" u="none">
           <a:solidFill>
             <a:schemeClr val="tx1"/>
           </a:solidFill>
@@ -2898,7 +2809,7 @@
         <a:buFontTx/>
         <a:buNone/>
         <a:tabLst/>
-        <a:defRPr sz="6400" b="0" i="0" u="none" strike="noStrike" cap="none" spc="0" baseline="0">
+        <a:defRPr b="0" baseline="0" cap="none" i="0" spc="0" strike="noStrike" sz="6400" u="none">
           <a:solidFill>
             <a:schemeClr val="tx1"/>
           </a:solidFill>
@@ -2924,7 +2835,7 @@
         <a:buFontTx/>
         <a:buNone/>
         <a:tabLst/>
-        <a:defRPr sz="6400" b="0" i="0" u="none" strike="noStrike" cap="none" spc="0" baseline="0">
+        <a:defRPr b="0" baseline="0" cap="none" i="0" spc="0" strike="noStrike" sz="6400" u="none">
           <a:solidFill>
             <a:schemeClr val="tx1"/>
           </a:solidFill>
@@ -2941,7 +2852,7 @@
 </file>
 
 <file path=ppt/slides/slide1.xml><?xml version="1.0" encoding="utf-8"?>
-<p:sld xmlns:a="http://schemas.openxmlformats.org/drawingml/2006/main" xmlns:r="http://schemas.openxmlformats.org/officeDocument/2006/relationships" xmlns:p="http://schemas.openxmlformats.org/presentationml/2006/main">
+<p:sld xmlns:a="http://schemas.openxmlformats.org/drawingml/2006/main" xmlns:r="http://schemas.openxmlformats.org/officeDocument/2006/relationships" xmlns:p="http://schemas.openxmlformats.org/presentationml/2006/main" xmlns:m="http://schemas.openxmlformats.org/officeDocument/2006/math" xmlns:a14="http://schemas.microsoft.com/office/drawing/2010/main" showMasterSp="1" showMasterPhAnim="1">
   <p:cSld>
     <p:spTree>
       <p:nvGrpSpPr>
@@ -2995,7 +2906,6 @@
               </a:defRPr>
             </a:pPr>
             <a:r>
-              <a:rPr dirty="0"/>
               <a:t>All posters must include:</a:t>
             </a:r>
           </a:p>
@@ -3009,7 +2919,6 @@
               </a:defRPr>
             </a:pPr>
             <a:r>
-              <a:rPr b="0" dirty="0"/>
               <a:t>• Your individual team member names and affiliations</a:t>
             </a:r>
           </a:p>
@@ -3023,7 +2932,6 @@
               </a:defRPr>
             </a:pPr>
             <a:r>
-              <a:rPr b="0" dirty="0"/>
               <a:t>• The D4SD logo bar at the bottom of this template</a:t>
             </a:r>
           </a:p>
@@ -3036,7 +2944,6 @@
                 <a:sym typeface="Helvetica"/>
               </a:defRPr>
             </a:pPr>
-            <a:endParaRPr b="0" dirty="0"/>
           </a:p>
           <a:p>
             <a:pPr algn="l">
@@ -3048,7 +2955,6 @@
               </a:defRPr>
             </a:pPr>
             <a:r>
-              <a:rPr dirty="0"/>
               <a:t>Good posters will include:</a:t>
             </a:r>
           </a:p>
@@ -3062,7 +2968,6 @@
               </a:defRPr>
             </a:pPr>
             <a:r>
-              <a:rPr b="0" dirty="0"/>
               <a:t>• A title that explains your project at a high-level </a:t>
             </a:r>
           </a:p>
@@ -3076,7 +2981,6 @@
               </a:defRPr>
             </a:pPr>
             <a:r>
-              <a:rPr b="0" dirty="0"/>
               <a:t>• Large visual images that illustrate the problem and/or solution</a:t>
             </a:r>
           </a:p>
@@ -3090,7 +2994,6 @@
               </a:defRPr>
             </a:pPr>
             <a:r>
-              <a:rPr b="0" dirty="0"/>
               <a:t>• A description and evidence about problem / issue </a:t>
             </a:r>
           </a:p>
@@ -3104,7 +3007,6 @@
               </a:defRPr>
             </a:pPr>
             <a:r>
-              <a:rPr b="0" dirty="0"/>
               <a:t>• Info about known issues, contacts, and resources</a:t>
             </a:r>
           </a:p>
@@ -3118,7 +3020,6 @@
               </a:defRPr>
             </a:pPr>
             <a:r>
-              <a:rPr b="0" dirty="0"/>
               <a:t>• Illustrations, photos or mockups of your prototype</a:t>
             </a:r>
           </a:p>
@@ -3132,7 +3033,6 @@
               </a:defRPr>
             </a:pPr>
             <a:r>
-              <a:rPr b="0" dirty="0"/>
               <a:t>• Data from human-centered research (e.g., interview quotes)</a:t>
             </a:r>
           </a:p>
@@ -3146,7 +3046,6 @@
               </a:defRPr>
             </a:pPr>
             <a:r>
-              <a:rPr b="0" dirty="0"/>
               <a:t>• Insights based on feedback from the community</a:t>
             </a:r>
           </a:p>
@@ -3160,7 +3059,6 @@
               </a:defRPr>
             </a:pPr>
             <a:r>
-              <a:rPr b="0" dirty="0"/>
               <a:t>• A plan for how to fund and implement your concept</a:t>
             </a:r>
           </a:p>
@@ -3174,7 +3072,6 @@
               </a:defRPr>
             </a:pPr>
             <a:r>
-              <a:rPr b="0" dirty="0"/>
               <a:t>• Documentation of your team’s process</a:t>
             </a:r>
           </a:p>
@@ -3188,45 +3085,14 @@
               </a:defRPr>
             </a:pPr>
             <a:r>
-              <a:rPr b="0" dirty="0"/>
               <a:t>• Acknowledgements</a:t>
             </a:r>
           </a:p>
         </p:txBody>
       </p:sp>
-      <p:pic>
-        <p:nvPicPr>
-          <p:cNvPr id="120" name="sponsor-bar.png" descr="sponsor-bar.png"/>
-          <p:cNvPicPr>
-            <a:picLocks noChangeAspect="1"/>
-          </p:cNvPicPr>
-          <p:nvPr/>
-        </p:nvPicPr>
-        <p:blipFill>
-          <a:blip r:embed="rId2">
-            <a:extLst/>
-          </a:blip>
-          <a:srcRect t="89498" b="82"/>
-          <a:stretch>
-            <a:fillRect/>
-          </a:stretch>
-        </p:blipFill>
-        <p:spPr>
-          <a:xfrm>
-            <a:off x="0" y="32773954"/>
-            <a:ext cx="27432001" cy="3810848"/>
-          </a:xfrm>
-          <a:prstGeom prst="rect">
-            <a:avLst/>
-          </a:prstGeom>
-          <a:ln w="12700">
-            <a:miter lim="400000"/>
-          </a:ln>
-        </p:spPr>
-      </p:pic>
       <p:sp>
         <p:nvSpPr>
-          <p:cNvPr id="121" name="Rectangle"/>
+          <p:cNvPr id="120" name="Rectangle"/>
           <p:cNvSpPr/>
           <p:nvPr/>
         </p:nvSpPr>
@@ -3250,7 +3116,7 @@
           <a:lstStyle/>
           <a:p>
             <a:pPr>
-              <a:defRPr sz="8400" b="0">
+              <a:defRPr b="0" sz="8400">
                 <a:solidFill>
                   <a:srgbClr val="FFFFFF"/>
                 </a:solidFill>
@@ -3260,21 +3126,49 @@
                 <a:sym typeface="Helvetica Neue Medium"/>
               </a:defRPr>
             </a:pPr>
-            <a:endParaRPr/>
           </a:p>
         </p:txBody>
       </p:sp>
+      <p:pic>
+        <p:nvPicPr>
+          <p:cNvPr id="121" name="bottom-bar-with-vector-images.png" descr="bottom-bar-with-vector-images.png"/>
+          <p:cNvPicPr>
+            <a:picLocks noChangeAspect="1"/>
+          </p:cNvPicPr>
+          <p:nvPr/>
+        </p:nvPicPr>
+        <p:blipFill>
+          <a:blip r:embed="rId2">
+            <a:extLst/>
+          </a:blip>
+          <a:stretch>
+            <a:fillRect/>
+          </a:stretch>
+        </p:blipFill>
+        <p:spPr>
+          <a:xfrm>
+            <a:off x="0" y="34497955"/>
+            <a:ext cx="27432001" cy="2057401"/>
+          </a:xfrm>
+          <a:prstGeom prst="rect">
+            <a:avLst/>
+          </a:prstGeom>
+          <a:ln w="12700">
+            <a:miter lim="400000"/>
+          </a:ln>
+        </p:spPr>
+      </p:pic>
     </p:spTree>
   </p:cSld>
   <p:clrMapOvr>
     <a:masterClrMapping/>
   </p:clrMapOvr>
-  <p:transition spd="med"/>
+  <p:transition xmlns:p14="http://schemas.microsoft.com/office/powerpoint/2010/main" spd="med" advClick="1"/>
 </p:sld>
 </file>
 
 <file path=ppt/theme/theme1.xml><?xml version="1.0" encoding="utf-8"?>
-<a:theme xmlns:a="http://schemas.openxmlformats.org/drawingml/2006/main" name="White">
+<a:theme xmlns:a="http://schemas.openxmlformats.org/drawingml/2006/main" xmlns:r="http://schemas.openxmlformats.org/officeDocument/2006/relationships" name="White">
   <a:themeElements>
     <a:clrScheme name="White">
       <a:dk1>
@@ -3473,7 +3367,7 @@
         <a:effectLst/>
         <a:sp3d/>
       </a:spPr>
-      <a:bodyPr rot="0" spcFirstLastPara="1" vertOverflow="overflow" horzOverflow="overflow" vert="horz" wrap="square" lIns="0" tIns="0" rIns="0" bIns="0" numCol="1" spcCol="38100" rtlCol="0" anchor="ctr">
+      <a:bodyPr rot="0" spcFirstLastPara="1" vertOverflow="overflow" horzOverflow="overflow" vert="horz" wrap="square" lIns="0" tIns="0" rIns="0" bIns="0" numCol="1" spcCol="38100" rtlCol="0" anchor="ctr" upright="0">
         <a:spAutoFit/>
       </a:bodyPr>
       <a:lstStyle>
@@ -3492,7 +3386,7 @@
           <a:buFontTx/>
           <a:buNone/>
           <a:tabLst/>
-          <a:defRPr kumimoji="0" sz="8400" b="0" i="0" u="none" strike="noStrike" cap="none" spc="0" normalizeH="0" baseline="0">
+          <a:defRPr b="0" baseline="0" cap="none" i="0" spc="0" strike="noStrike" sz="8400" u="none" kumimoji="0" normalizeH="0">
             <a:ln>
               <a:noFill/>
             </a:ln>
@@ -3522,7 +3416,7 @@
           <a:buFontTx/>
           <a:buNone/>
           <a:tabLst/>
-          <a:defRPr kumimoji="0" sz="1800" b="0" i="0" u="none" strike="noStrike" cap="none" spc="0" normalizeH="0" baseline="0">
+          <a:defRPr b="0" baseline="0" cap="none" i="0" spc="0" strike="noStrike" sz="1800" u="none" kumimoji="0" normalizeH="0">
             <a:ln>
               <a:noFill/>
             </a:ln>
@@ -3548,7 +3442,7 @@
           <a:buFontTx/>
           <a:buNone/>
           <a:tabLst/>
-          <a:defRPr kumimoji="0" sz="1800" b="0" i="0" u="none" strike="noStrike" cap="none" spc="0" normalizeH="0" baseline="0">
+          <a:defRPr b="0" baseline="0" cap="none" i="0" spc="0" strike="noStrike" sz="1800" u="none" kumimoji="0" normalizeH="0">
             <a:ln>
               <a:noFill/>
             </a:ln>
@@ -3574,7 +3468,7 @@
           <a:buFontTx/>
           <a:buNone/>
           <a:tabLst/>
-          <a:defRPr kumimoji="0" sz="1800" b="0" i="0" u="none" strike="noStrike" cap="none" spc="0" normalizeH="0" baseline="0">
+          <a:defRPr b="0" baseline="0" cap="none" i="0" spc="0" strike="noStrike" sz="1800" u="none" kumimoji="0" normalizeH="0">
             <a:ln>
               <a:noFill/>
             </a:ln>
@@ -3600,7 +3494,7 @@
           <a:buFontTx/>
           <a:buNone/>
           <a:tabLst/>
-          <a:defRPr kumimoji="0" sz="1800" b="0" i="0" u="none" strike="noStrike" cap="none" spc="0" normalizeH="0" baseline="0">
+          <a:defRPr b="0" baseline="0" cap="none" i="0" spc="0" strike="noStrike" sz="1800" u="none" kumimoji="0" normalizeH="0">
             <a:ln>
               <a:noFill/>
             </a:ln>
@@ -3626,7 +3520,7 @@
           <a:buFontTx/>
           <a:buNone/>
           <a:tabLst/>
-          <a:defRPr kumimoji="0" sz="1800" b="0" i="0" u="none" strike="noStrike" cap="none" spc="0" normalizeH="0" baseline="0">
+          <a:defRPr b="0" baseline="0" cap="none" i="0" spc="0" strike="noStrike" sz="1800" u="none" kumimoji="0" normalizeH="0">
             <a:ln>
               <a:noFill/>
             </a:ln>
@@ -3652,7 +3546,7 @@
           <a:buFontTx/>
           <a:buNone/>
           <a:tabLst/>
-          <a:defRPr kumimoji="0" sz="1800" b="0" i="0" u="none" strike="noStrike" cap="none" spc="0" normalizeH="0" baseline="0">
+          <a:defRPr b="0" baseline="0" cap="none" i="0" spc="0" strike="noStrike" sz="1800" u="none" kumimoji="0" normalizeH="0">
             <a:ln>
               <a:noFill/>
             </a:ln>
@@ -3678,7 +3572,7 @@
           <a:buFontTx/>
           <a:buNone/>
           <a:tabLst/>
-          <a:defRPr kumimoji="0" sz="1800" b="0" i="0" u="none" strike="noStrike" cap="none" spc="0" normalizeH="0" baseline="0">
+          <a:defRPr b="0" baseline="0" cap="none" i="0" spc="0" strike="noStrike" sz="1800" u="none" kumimoji="0" normalizeH="0">
             <a:ln>
               <a:noFill/>
             </a:ln>
@@ -3704,7 +3598,7 @@
           <a:buFontTx/>
           <a:buNone/>
           <a:tabLst/>
-          <a:defRPr kumimoji="0" sz="1800" b="0" i="0" u="none" strike="noStrike" cap="none" spc="0" normalizeH="0" baseline="0">
+          <a:defRPr b="0" baseline="0" cap="none" i="0" spc="0" strike="noStrike" sz="1800" u="none" kumimoji="0" normalizeH="0">
             <a:ln>
               <a:noFill/>
             </a:ln>
@@ -3730,7 +3624,7 @@
           <a:buFontTx/>
           <a:buNone/>
           <a:tabLst/>
-          <a:defRPr kumimoji="0" sz="1800" b="0" i="0" u="none" strike="noStrike" cap="none" spc="0" normalizeH="0" baseline="0">
+          <a:defRPr b="0" baseline="0" cap="none" i="0" spc="0" strike="noStrike" sz="1800" u="none" kumimoji="0" normalizeH="0">
             <a:ln>
               <a:noFill/>
             </a:ln>
@@ -3743,15 +3637,9 @@
         </a:lvl9pPr>
       </a:lstStyle>
       <a:style>
-        <a:lnRef idx="0">
-          <a:scrgbClr r="0" g="0" b="0"/>
-        </a:lnRef>
-        <a:fillRef idx="0">
-          <a:scrgbClr r="0" g="0" b="0"/>
-        </a:fillRef>
-        <a:effectRef idx="0">
-          <a:scrgbClr r="0" g="0" b="0"/>
-        </a:effectRef>
+        <a:lnRef idx="0"/>
+        <a:fillRef idx="0"/>
+        <a:effectRef idx="0"/>
         <a:fontRef idx="none"/>
       </a:style>
     </a:spDef>
@@ -3768,7 +3656,7 @@
         <a:effectLst/>
         <a:sp3d/>
       </a:spPr>
-      <a:bodyPr rot="0" spcFirstLastPara="1" vertOverflow="overflow" horzOverflow="overflow" vert="horz" wrap="square" lIns="91439" tIns="45719" rIns="91439" bIns="45719" numCol="1" spcCol="38100" rtlCol="0" anchor="t">
+      <a:bodyPr rot="0" spcFirstLastPara="1" vertOverflow="overflow" horzOverflow="overflow" vert="horz" wrap="square" lIns="91439" tIns="45719" rIns="91439" bIns="45719" numCol="1" spcCol="38100" rtlCol="0" anchor="t" upright="0">
         <a:noAutofit/>
       </a:bodyPr>
       <a:lstStyle>
@@ -3787,7 +3675,7 @@
           <a:buFontTx/>
           <a:buNone/>
           <a:tabLst/>
-          <a:defRPr kumimoji="0" sz="1800" b="0" i="0" u="none" strike="noStrike" cap="none" spc="0" normalizeH="0" baseline="0">
+          <a:defRPr b="0" baseline="0" cap="none" i="0" spc="0" strike="noStrike" sz="1800" u="none" kumimoji="0" normalizeH="0">
             <a:ln>
               <a:noFill/>
             </a:ln>
@@ -3813,7 +3701,7 @@
           <a:buFontTx/>
           <a:buNone/>
           <a:tabLst/>
-          <a:defRPr kumimoji="0" sz="1800" b="0" i="0" u="none" strike="noStrike" cap="none" spc="0" normalizeH="0" baseline="0">
+          <a:defRPr b="0" baseline="0" cap="none" i="0" spc="0" strike="noStrike" sz="1800" u="none" kumimoji="0" normalizeH="0">
             <a:ln>
               <a:noFill/>
             </a:ln>
@@ -3839,7 +3727,7 @@
           <a:buFontTx/>
           <a:buNone/>
           <a:tabLst/>
-          <a:defRPr kumimoji="0" sz="1800" b="0" i="0" u="none" strike="noStrike" cap="none" spc="0" normalizeH="0" baseline="0">
+          <a:defRPr b="0" baseline="0" cap="none" i="0" spc="0" strike="noStrike" sz="1800" u="none" kumimoji="0" normalizeH="0">
             <a:ln>
               <a:noFill/>
             </a:ln>
@@ -3865,7 +3753,7 @@
           <a:buFontTx/>
           <a:buNone/>
           <a:tabLst/>
-          <a:defRPr kumimoji="0" sz="1800" b="0" i="0" u="none" strike="noStrike" cap="none" spc="0" normalizeH="0" baseline="0">
+          <a:defRPr b="0" baseline="0" cap="none" i="0" spc="0" strike="noStrike" sz="1800" u="none" kumimoji="0" normalizeH="0">
             <a:ln>
               <a:noFill/>
             </a:ln>
@@ -3891,7 +3779,7 @@
           <a:buFontTx/>
           <a:buNone/>
           <a:tabLst/>
-          <a:defRPr kumimoji="0" sz="1800" b="0" i="0" u="none" strike="noStrike" cap="none" spc="0" normalizeH="0" baseline="0">
+          <a:defRPr b="0" baseline="0" cap="none" i="0" spc="0" strike="noStrike" sz="1800" u="none" kumimoji="0" normalizeH="0">
             <a:ln>
               <a:noFill/>
             </a:ln>
@@ -3917,7 +3805,7 @@
           <a:buFontTx/>
           <a:buNone/>
           <a:tabLst/>
-          <a:defRPr kumimoji="0" sz="1800" b="0" i="0" u="none" strike="noStrike" cap="none" spc="0" normalizeH="0" baseline="0">
+          <a:defRPr b="0" baseline="0" cap="none" i="0" spc="0" strike="noStrike" sz="1800" u="none" kumimoji="0" normalizeH="0">
             <a:ln>
               <a:noFill/>
             </a:ln>
@@ -3943,7 +3831,7 @@
           <a:buFontTx/>
           <a:buNone/>
           <a:tabLst/>
-          <a:defRPr kumimoji="0" sz="1800" b="0" i="0" u="none" strike="noStrike" cap="none" spc="0" normalizeH="0" baseline="0">
+          <a:defRPr b="0" baseline="0" cap="none" i="0" spc="0" strike="noStrike" sz="1800" u="none" kumimoji="0" normalizeH="0">
             <a:ln>
               <a:noFill/>
             </a:ln>
@@ -3969,7 +3857,7 @@
           <a:buFontTx/>
           <a:buNone/>
           <a:tabLst/>
-          <a:defRPr kumimoji="0" sz="1800" b="0" i="0" u="none" strike="noStrike" cap="none" spc="0" normalizeH="0" baseline="0">
+          <a:defRPr b="0" baseline="0" cap="none" i="0" spc="0" strike="noStrike" sz="1800" u="none" kumimoji="0" normalizeH="0">
             <a:ln>
               <a:noFill/>
             </a:ln>
@@ -3995,7 +3883,7 @@
           <a:buFontTx/>
           <a:buNone/>
           <a:tabLst/>
-          <a:defRPr kumimoji="0" sz="1800" b="0" i="0" u="none" strike="noStrike" cap="none" spc="0" normalizeH="0" baseline="0">
+          <a:defRPr b="0" baseline="0" cap="none" i="0" spc="0" strike="noStrike" sz="1800" u="none" kumimoji="0" normalizeH="0">
             <a:ln>
               <a:noFill/>
             </a:ln>
@@ -4021,7 +3909,7 @@
           <a:buFontTx/>
           <a:buNone/>
           <a:tabLst/>
-          <a:defRPr kumimoji="0" sz="1800" b="0" i="0" u="none" strike="noStrike" cap="none" spc="0" normalizeH="0" baseline="0">
+          <a:defRPr b="0" baseline="0" cap="none" i="0" spc="0" strike="noStrike" sz="1800" u="none" kumimoji="0" normalizeH="0">
             <a:ln>
               <a:noFill/>
             </a:ln>
@@ -4034,15 +3922,9 @@
         </a:lvl9pPr>
       </a:lstStyle>
       <a:style>
-        <a:lnRef idx="0">
-          <a:scrgbClr r="0" g="0" b="0"/>
-        </a:lnRef>
-        <a:fillRef idx="0">
-          <a:scrgbClr r="0" g="0" b="0"/>
-        </a:fillRef>
-        <a:effectRef idx="0">
-          <a:scrgbClr r="0" g="0" b="0"/>
-        </a:effectRef>
+        <a:lnRef idx="0"/>
+        <a:fillRef idx="0"/>
+        <a:effectRef idx="0"/>
         <a:fontRef idx="none"/>
       </a:style>
     </a:lnDef>
@@ -4056,7 +3938,7 @@
         <a:effectLst/>
         <a:sp3d/>
       </a:spPr>
-      <a:bodyPr rot="0" spcFirstLastPara="1" vertOverflow="overflow" horzOverflow="overflow" vert="horz" wrap="square" lIns="57150" tIns="57150" rIns="57150" bIns="57150" numCol="1" spcCol="38100" rtlCol="0" anchor="ctr">
+      <a:bodyPr rot="0" spcFirstLastPara="1" vertOverflow="overflow" horzOverflow="overflow" vert="horz" wrap="square" lIns="57150" tIns="57150" rIns="57150" bIns="57150" numCol="1" spcCol="38100" rtlCol="0" anchor="ctr" upright="0">
         <a:spAutoFit/>
       </a:bodyPr>
       <a:lstStyle>
@@ -4075,7 +3957,7 @@
           <a:buFontTx/>
           <a:buNone/>
           <a:tabLst/>
-          <a:defRPr kumimoji="0" sz="8000" b="1" i="0" u="none" strike="noStrike" cap="none" spc="0" normalizeH="0" baseline="0">
+          <a:defRPr b="1" baseline="0" cap="none" i="0" spc="0" strike="noStrike" sz="8000" u="none" kumimoji="0" normalizeH="0">
             <a:ln>
               <a:noFill/>
             </a:ln>
@@ -4105,7 +3987,7 @@
           <a:buFontTx/>
           <a:buNone/>
           <a:tabLst/>
-          <a:defRPr kumimoji="0" sz="1800" b="0" i="0" u="none" strike="noStrike" cap="none" spc="0" normalizeH="0" baseline="0">
+          <a:defRPr b="0" baseline="0" cap="none" i="0" spc="0" strike="noStrike" sz="1800" u="none" kumimoji="0" normalizeH="0">
             <a:ln>
               <a:noFill/>
             </a:ln>
@@ -4131,7 +4013,7 @@
           <a:buFontTx/>
           <a:buNone/>
           <a:tabLst/>
-          <a:defRPr kumimoji="0" sz="1800" b="0" i="0" u="none" strike="noStrike" cap="none" spc="0" normalizeH="0" baseline="0">
+          <a:defRPr b="0" baseline="0" cap="none" i="0" spc="0" strike="noStrike" sz="1800" u="none" kumimoji="0" normalizeH="0">
             <a:ln>
               <a:noFill/>
             </a:ln>
@@ -4157,7 +4039,7 @@
           <a:buFontTx/>
           <a:buNone/>
           <a:tabLst/>
-          <a:defRPr kumimoji="0" sz="1800" b="0" i="0" u="none" strike="noStrike" cap="none" spc="0" normalizeH="0" baseline="0">
+          <a:defRPr b="0" baseline="0" cap="none" i="0" spc="0" strike="noStrike" sz="1800" u="none" kumimoji="0" normalizeH="0">
             <a:ln>
               <a:noFill/>
             </a:ln>
@@ -4183,7 +4065,7 @@
           <a:buFontTx/>
           <a:buNone/>
           <a:tabLst/>
-          <a:defRPr kumimoji="0" sz="1800" b="0" i="0" u="none" strike="noStrike" cap="none" spc="0" normalizeH="0" baseline="0">
+          <a:defRPr b="0" baseline="0" cap="none" i="0" spc="0" strike="noStrike" sz="1800" u="none" kumimoji="0" normalizeH="0">
             <a:ln>
               <a:noFill/>
             </a:ln>
@@ -4209,7 +4091,7 @@
           <a:buFontTx/>
           <a:buNone/>
           <a:tabLst/>
-          <a:defRPr kumimoji="0" sz="1800" b="0" i="0" u="none" strike="noStrike" cap="none" spc="0" normalizeH="0" baseline="0">
+          <a:defRPr b="0" baseline="0" cap="none" i="0" spc="0" strike="noStrike" sz="1800" u="none" kumimoji="0" normalizeH="0">
             <a:ln>
               <a:noFill/>
             </a:ln>
@@ -4235,7 +4117,7 @@
           <a:buFontTx/>
           <a:buNone/>
           <a:tabLst/>
-          <a:defRPr kumimoji="0" sz="1800" b="0" i="0" u="none" strike="noStrike" cap="none" spc="0" normalizeH="0" baseline="0">
+          <a:defRPr b="0" baseline="0" cap="none" i="0" spc="0" strike="noStrike" sz="1800" u="none" kumimoji="0" normalizeH="0">
             <a:ln>
               <a:noFill/>
             </a:ln>
@@ -4261,7 +4143,7 @@
           <a:buFontTx/>
           <a:buNone/>
           <a:tabLst/>
-          <a:defRPr kumimoji="0" sz="1800" b="0" i="0" u="none" strike="noStrike" cap="none" spc="0" normalizeH="0" baseline="0">
+          <a:defRPr b="0" baseline="0" cap="none" i="0" spc="0" strike="noStrike" sz="1800" u="none" kumimoji="0" normalizeH="0">
             <a:ln>
               <a:noFill/>
             </a:ln>
@@ -4287,7 +4169,7 @@
           <a:buFontTx/>
           <a:buNone/>
           <a:tabLst/>
-          <a:defRPr kumimoji="0" sz="1800" b="0" i="0" u="none" strike="noStrike" cap="none" spc="0" normalizeH="0" baseline="0">
+          <a:defRPr b="0" baseline="0" cap="none" i="0" spc="0" strike="noStrike" sz="1800" u="none" kumimoji="0" normalizeH="0">
             <a:ln>
               <a:noFill/>
             </a:ln>
@@ -4313,7 +4195,7 @@
           <a:buFontTx/>
           <a:buNone/>
           <a:tabLst/>
-          <a:defRPr kumimoji="0" sz="1800" b="0" i="0" u="none" strike="noStrike" cap="none" spc="0" normalizeH="0" baseline="0">
+          <a:defRPr b="0" baseline="0" cap="none" i="0" spc="0" strike="noStrike" sz="1800" u="none" kumimoji="0" normalizeH="0">
             <a:ln>
               <a:noFill/>
             </a:ln>
@@ -4326,25 +4208,18 @@
         </a:lvl9pPr>
       </a:lstStyle>
       <a:style>
-        <a:lnRef idx="0">
-          <a:scrgbClr r="0" g="0" b="0"/>
-        </a:lnRef>
-        <a:fillRef idx="0">
-          <a:scrgbClr r="0" g="0" b="0"/>
-        </a:fillRef>
-        <a:effectRef idx="0">
-          <a:scrgbClr r="0" g="0" b="0"/>
-        </a:effectRef>
+        <a:lnRef idx="0"/>
+        <a:fillRef idx="0"/>
+        <a:effectRef idx="0"/>
         <a:fontRef idx="none"/>
       </a:style>
     </a:txDef>
   </a:objectDefaults>
-  <a:extraClrSchemeLst/>
 </a:theme>
 </file>
 
 <file path=ppt/theme/theme2.xml><?xml version="1.0" encoding="utf-8"?>
-<a:theme xmlns:a="http://schemas.openxmlformats.org/drawingml/2006/main" name="White">
+<a:theme xmlns:a="http://schemas.openxmlformats.org/drawingml/2006/main" xmlns:r="http://schemas.openxmlformats.org/officeDocument/2006/relationships" name="White">
   <a:themeElements>
     <a:clrScheme name="White">
       <a:dk1>
@@ -4543,7 +4418,7 @@
         <a:effectLst/>
         <a:sp3d/>
       </a:spPr>
-      <a:bodyPr rot="0" spcFirstLastPara="1" vertOverflow="overflow" horzOverflow="overflow" vert="horz" wrap="square" lIns="0" tIns="0" rIns="0" bIns="0" numCol="1" spcCol="38100" rtlCol="0" anchor="ctr">
+      <a:bodyPr rot="0" spcFirstLastPara="1" vertOverflow="overflow" horzOverflow="overflow" vert="horz" wrap="square" lIns="0" tIns="0" rIns="0" bIns="0" numCol="1" spcCol="38100" rtlCol="0" anchor="ctr" upright="0">
         <a:spAutoFit/>
       </a:bodyPr>
       <a:lstStyle>
@@ -4562,7 +4437,7 @@
           <a:buFontTx/>
           <a:buNone/>
           <a:tabLst/>
-          <a:defRPr kumimoji="0" sz="8400" b="0" i="0" u="none" strike="noStrike" cap="none" spc="0" normalizeH="0" baseline="0">
+          <a:defRPr b="0" baseline="0" cap="none" i="0" spc="0" strike="noStrike" sz="8400" u="none" kumimoji="0" normalizeH="0">
             <a:ln>
               <a:noFill/>
             </a:ln>
@@ -4592,7 +4467,7 @@
           <a:buFontTx/>
           <a:buNone/>
           <a:tabLst/>
-          <a:defRPr kumimoji="0" sz="1800" b="0" i="0" u="none" strike="noStrike" cap="none" spc="0" normalizeH="0" baseline="0">
+          <a:defRPr b="0" baseline="0" cap="none" i="0" spc="0" strike="noStrike" sz="1800" u="none" kumimoji="0" normalizeH="0">
             <a:ln>
               <a:noFill/>
             </a:ln>
@@ -4618,7 +4493,7 @@
           <a:buFontTx/>
           <a:buNone/>
           <a:tabLst/>
-          <a:defRPr kumimoji="0" sz="1800" b="0" i="0" u="none" strike="noStrike" cap="none" spc="0" normalizeH="0" baseline="0">
+          <a:defRPr b="0" baseline="0" cap="none" i="0" spc="0" strike="noStrike" sz="1800" u="none" kumimoji="0" normalizeH="0">
             <a:ln>
               <a:noFill/>
             </a:ln>
@@ -4644,7 +4519,7 @@
           <a:buFontTx/>
           <a:buNone/>
           <a:tabLst/>
-          <a:defRPr kumimoji="0" sz="1800" b="0" i="0" u="none" strike="noStrike" cap="none" spc="0" normalizeH="0" baseline="0">
+          <a:defRPr b="0" baseline="0" cap="none" i="0" spc="0" strike="noStrike" sz="1800" u="none" kumimoji="0" normalizeH="0">
             <a:ln>
               <a:noFill/>
             </a:ln>
@@ -4670,7 +4545,7 @@
           <a:buFontTx/>
           <a:buNone/>
           <a:tabLst/>
-          <a:defRPr kumimoji="0" sz="1800" b="0" i="0" u="none" strike="noStrike" cap="none" spc="0" normalizeH="0" baseline="0">
+          <a:defRPr b="0" baseline="0" cap="none" i="0" spc="0" strike="noStrike" sz="1800" u="none" kumimoji="0" normalizeH="0">
             <a:ln>
               <a:noFill/>
             </a:ln>
@@ -4696,7 +4571,7 @@
           <a:buFontTx/>
           <a:buNone/>
           <a:tabLst/>
-          <a:defRPr kumimoji="0" sz="1800" b="0" i="0" u="none" strike="noStrike" cap="none" spc="0" normalizeH="0" baseline="0">
+          <a:defRPr b="0" baseline="0" cap="none" i="0" spc="0" strike="noStrike" sz="1800" u="none" kumimoji="0" normalizeH="0">
             <a:ln>
               <a:noFill/>
             </a:ln>
@@ -4722,7 +4597,7 @@
           <a:buFontTx/>
           <a:buNone/>
           <a:tabLst/>
-          <a:defRPr kumimoji="0" sz="1800" b="0" i="0" u="none" strike="noStrike" cap="none" spc="0" normalizeH="0" baseline="0">
+          <a:defRPr b="0" baseline="0" cap="none" i="0" spc="0" strike="noStrike" sz="1800" u="none" kumimoji="0" normalizeH="0">
             <a:ln>
               <a:noFill/>
             </a:ln>
@@ -4748,7 +4623,7 @@
           <a:buFontTx/>
           <a:buNone/>
           <a:tabLst/>
-          <a:defRPr kumimoji="0" sz="1800" b="0" i="0" u="none" strike="noStrike" cap="none" spc="0" normalizeH="0" baseline="0">
+          <a:defRPr b="0" baseline="0" cap="none" i="0" spc="0" strike="noStrike" sz="1800" u="none" kumimoji="0" normalizeH="0">
             <a:ln>
               <a:noFill/>
             </a:ln>
@@ -4774,7 +4649,7 @@
           <a:buFontTx/>
           <a:buNone/>
           <a:tabLst/>
-          <a:defRPr kumimoji="0" sz="1800" b="0" i="0" u="none" strike="noStrike" cap="none" spc="0" normalizeH="0" baseline="0">
+          <a:defRPr b="0" baseline="0" cap="none" i="0" spc="0" strike="noStrike" sz="1800" u="none" kumimoji="0" normalizeH="0">
             <a:ln>
               <a:noFill/>
             </a:ln>
@@ -4800,7 +4675,7 @@
           <a:buFontTx/>
           <a:buNone/>
           <a:tabLst/>
-          <a:defRPr kumimoji="0" sz="1800" b="0" i="0" u="none" strike="noStrike" cap="none" spc="0" normalizeH="0" baseline="0">
+          <a:defRPr b="0" baseline="0" cap="none" i="0" spc="0" strike="noStrike" sz="1800" u="none" kumimoji="0" normalizeH="0">
             <a:ln>
               <a:noFill/>
             </a:ln>
@@ -4813,15 +4688,9 @@
         </a:lvl9pPr>
       </a:lstStyle>
       <a:style>
-        <a:lnRef idx="0">
-          <a:scrgbClr r="0" g="0" b="0"/>
-        </a:lnRef>
-        <a:fillRef idx="0">
-          <a:scrgbClr r="0" g="0" b="0"/>
-        </a:fillRef>
-        <a:effectRef idx="0">
-          <a:scrgbClr r="0" g="0" b="0"/>
-        </a:effectRef>
+        <a:lnRef idx="0"/>
+        <a:fillRef idx="0"/>
+        <a:effectRef idx="0"/>
         <a:fontRef idx="none"/>
       </a:style>
     </a:spDef>
@@ -4838,7 +4707,7 @@
         <a:effectLst/>
         <a:sp3d/>
       </a:spPr>
-      <a:bodyPr rot="0" spcFirstLastPara="1" vertOverflow="overflow" horzOverflow="overflow" vert="horz" wrap="square" lIns="91439" tIns="45719" rIns="91439" bIns="45719" numCol="1" spcCol="38100" rtlCol="0" anchor="t">
+      <a:bodyPr rot="0" spcFirstLastPara="1" vertOverflow="overflow" horzOverflow="overflow" vert="horz" wrap="square" lIns="91439" tIns="45719" rIns="91439" bIns="45719" numCol="1" spcCol="38100" rtlCol="0" anchor="t" upright="0">
         <a:noAutofit/>
       </a:bodyPr>
       <a:lstStyle>
@@ -4857,7 +4726,7 @@
           <a:buFontTx/>
           <a:buNone/>
           <a:tabLst/>
-          <a:defRPr kumimoji="0" sz="1800" b="0" i="0" u="none" strike="noStrike" cap="none" spc="0" normalizeH="0" baseline="0">
+          <a:defRPr b="0" baseline="0" cap="none" i="0" spc="0" strike="noStrike" sz="1800" u="none" kumimoji="0" normalizeH="0">
             <a:ln>
               <a:noFill/>
             </a:ln>
@@ -4883,7 +4752,7 @@
           <a:buFontTx/>
           <a:buNone/>
           <a:tabLst/>
-          <a:defRPr kumimoji="0" sz="1800" b="0" i="0" u="none" strike="noStrike" cap="none" spc="0" normalizeH="0" baseline="0">
+          <a:defRPr b="0" baseline="0" cap="none" i="0" spc="0" strike="noStrike" sz="1800" u="none" kumimoji="0" normalizeH="0">
             <a:ln>
               <a:noFill/>
             </a:ln>
@@ -4909,7 +4778,7 @@
           <a:buFontTx/>
           <a:buNone/>
           <a:tabLst/>
-          <a:defRPr kumimoji="0" sz="1800" b="0" i="0" u="none" strike="noStrike" cap="none" spc="0" normalizeH="0" baseline="0">
+          <a:defRPr b="0" baseline="0" cap="none" i="0" spc="0" strike="noStrike" sz="1800" u="none" kumimoji="0" normalizeH="0">
             <a:ln>
               <a:noFill/>
             </a:ln>
@@ -4935,7 +4804,7 @@
           <a:buFontTx/>
           <a:buNone/>
           <a:tabLst/>
-          <a:defRPr kumimoji="0" sz="1800" b="0" i="0" u="none" strike="noStrike" cap="none" spc="0" normalizeH="0" baseline="0">
+          <a:defRPr b="0" baseline="0" cap="none" i="0" spc="0" strike="noStrike" sz="1800" u="none" kumimoji="0" normalizeH="0">
             <a:ln>
               <a:noFill/>
             </a:ln>
@@ -4961,7 +4830,7 @@
           <a:buFontTx/>
           <a:buNone/>
           <a:tabLst/>
-          <a:defRPr kumimoji="0" sz="1800" b="0" i="0" u="none" strike="noStrike" cap="none" spc="0" normalizeH="0" baseline="0">
+          <a:defRPr b="0" baseline="0" cap="none" i="0" spc="0" strike="noStrike" sz="1800" u="none" kumimoji="0" normalizeH="0">
             <a:ln>
               <a:noFill/>
             </a:ln>
@@ -4987,7 +4856,7 @@
           <a:buFontTx/>
           <a:buNone/>
           <a:tabLst/>
-          <a:defRPr kumimoji="0" sz="1800" b="0" i="0" u="none" strike="noStrike" cap="none" spc="0" normalizeH="0" baseline="0">
+          <a:defRPr b="0" baseline="0" cap="none" i="0" spc="0" strike="noStrike" sz="1800" u="none" kumimoji="0" normalizeH="0">
             <a:ln>
               <a:noFill/>
             </a:ln>
@@ -5013,7 +4882,7 @@
           <a:buFontTx/>
           <a:buNone/>
           <a:tabLst/>
-          <a:defRPr kumimoji="0" sz="1800" b="0" i="0" u="none" strike="noStrike" cap="none" spc="0" normalizeH="0" baseline="0">
+          <a:defRPr b="0" baseline="0" cap="none" i="0" spc="0" strike="noStrike" sz="1800" u="none" kumimoji="0" normalizeH="0">
             <a:ln>
               <a:noFill/>
             </a:ln>
@@ -5039,7 +4908,7 @@
           <a:buFontTx/>
           <a:buNone/>
           <a:tabLst/>
-          <a:defRPr kumimoji="0" sz="1800" b="0" i="0" u="none" strike="noStrike" cap="none" spc="0" normalizeH="0" baseline="0">
+          <a:defRPr b="0" baseline="0" cap="none" i="0" spc="0" strike="noStrike" sz="1800" u="none" kumimoji="0" normalizeH="0">
             <a:ln>
               <a:noFill/>
             </a:ln>
@@ -5065,7 +4934,7 @@
           <a:buFontTx/>
           <a:buNone/>
           <a:tabLst/>
-          <a:defRPr kumimoji="0" sz="1800" b="0" i="0" u="none" strike="noStrike" cap="none" spc="0" normalizeH="0" baseline="0">
+          <a:defRPr b="0" baseline="0" cap="none" i="0" spc="0" strike="noStrike" sz="1800" u="none" kumimoji="0" normalizeH="0">
             <a:ln>
               <a:noFill/>
             </a:ln>
@@ -5091,7 +4960,7 @@
           <a:buFontTx/>
           <a:buNone/>
           <a:tabLst/>
-          <a:defRPr kumimoji="0" sz="1800" b="0" i="0" u="none" strike="noStrike" cap="none" spc="0" normalizeH="0" baseline="0">
+          <a:defRPr b="0" baseline="0" cap="none" i="0" spc="0" strike="noStrike" sz="1800" u="none" kumimoji="0" normalizeH="0">
             <a:ln>
               <a:noFill/>
             </a:ln>
@@ -5104,15 +4973,9 @@
         </a:lvl9pPr>
       </a:lstStyle>
       <a:style>
-        <a:lnRef idx="0">
-          <a:scrgbClr r="0" g="0" b="0"/>
-        </a:lnRef>
-        <a:fillRef idx="0">
-          <a:scrgbClr r="0" g="0" b="0"/>
-        </a:fillRef>
-        <a:effectRef idx="0">
-          <a:scrgbClr r="0" g="0" b="0"/>
-        </a:effectRef>
+        <a:lnRef idx="0"/>
+        <a:fillRef idx="0"/>
+        <a:effectRef idx="0"/>
         <a:fontRef idx="none"/>
       </a:style>
     </a:lnDef>
@@ -5126,7 +4989,7 @@
         <a:effectLst/>
         <a:sp3d/>
       </a:spPr>
-      <a:bodyPr rot="0" spcFirstLastPara="1" vertOverflow="overflow" horzOverflow="overflow" vert="horz" wrap="square" lIns="57150" tIns="57150" rIns="57150" bIns="57150" numCol="1" spcCol="38100" rtlCol="0" anchor="ctr">
+      <a:bodyPr rot="0" spcFirstLastPara="1" vertOverflow="overflow" horzOverflow="overflow" vert="horz" wrap="square" lIns="57150" tIns="57150" rIns="57150" bIns="57150" numCol="1" spcCol="38100" rtlCol="0" anchor="ctr" upright="0">
         <a:spAutoFit/>
       </a:bodyPr>
       <a:lstStyle>
@@ -5145,7 +5008,7 @@
           <a:buFontTx/>
           <a:buNone/>
           <a:tabLst/>
-          <a:defRPr kumimoji="0" sz="8000" b="1" i="0" u="none" strike="noStrike" cap="none" spc="0" normalizeH="0" baseline="0">
+          <a:defRPr b="1" baseline="0" cap="none" i="0" spc="0" strike="noStrike" sz="8000" u="none" kumimoji="0" normalizeH="0">
             <a:ln>
               <a:noFill/>
             </a:ln>
@@ -5175,7 +5038,7 @@
           <a:buFontTx/>
           <a:buNone/>
           <a:tabLst/>
-          <a:defRPr kumimoji="0" sz="1800" b="0" i="0" u="none" strike="noStrike" cap="none" spc="0" normalizeH="0" baseline="0">
+          <a:defRPr b="0" baseline="0" cap="none" i="0" spc="0" strike="noStrike" sz="1800" u="none" kumimoji="0" normalizeH="0">
             <a:ln>
               <a:noFill/>
             </a:ln>
@@ -5201,7 +5064,7 @@
           <a:buFontTx/>
           <a:buNone/>
           <a:tabLst/>
-          <a:defRPr kumimoji="0" sz="1800" b="0" i="0" u="none" strike="noStrike" cap="none" spc="0" normalizeH="0" baseline="0">
+          <a:defRPr b="0" baseline="0" cap="none" i="0" spc="0" strike="noStrike" sz="1800" u="none" kumimoji="0" normalizeH="0">
             <a:ln>
               <a:noFill/>
             </a:ln>
@@ -5227,7 +5090,7 @@
           <a:buFontTx/>
           <a:buNone/>
           <a:tabLst/>
-          <a:defRPr kumimoji="0" sz="1800" b="0" i="0" u="none" strike="noStrike" cap="none" spc="0" normalizeH="0" baseline="0">
+          <a:defRPr b="0" baseline="0" cap="none" i="0" spc="0" strike="noStrike" sz="1800" u="none" kumimoji="0" normalizeH="0">
             <a:ln>
               <a:noFill/>
             </a:ln>
@@ -5253,7 +5116,7 @@
           <a:buFontTx/>
           <a:buNone/>
           <a:tabLst/>
-          <a:defRPr kumimoji="0" sz="1800" b="0" i="0" u="none" strike="noStrike" cap="none" spc="0" normalizeH="0" baseline="0">
+          <a:defRPr b="0" baseline="0" cap="none" i="0" spc="0" strike="noStrike" sz="1800" u="none" kumimoji="0" normalizeH="0">
             <a:ln>
               <a:noFill/>
             </a:ln>
@@ -5279,7 +5142,7 @@
           <a:buFontTx/>
           <a:buNone/>
           <a:tabLst/>
-          <a:defRPr kumimoji="0" sz="1800" b="0" i="0" u="none" strike="noStrike" cap="none" spc="0" normalizeH="0" baseline="0">
+          <a:defRPr b="0" baseline="0" cap="none" i="0" spc="0" strike="noStrike" sz="1800" u="none" kumimoji="0" normalizeH="0">
             <a:ln>
               <a:noFill/>
             </a:ln>
@@ -5305,7 +5168,7 @@
           <a:buFontTx/>
           <a:buNone/>
           <a:tabLst/>
-          <a:defRPr kumimoji="0" sz="1800" b="0" i="0" u="none" strike="noStrike" cap="none" spc="0" normalizeH="0" baseline="0">
+          <a:defRPr b="0" baseline="0" cap="none" i="0" spc="0" strike="noStrike" sz="1800" u="none" kumimoji="0" normalizeH="0">
             <a:ln>
               <a:noFill/>
             </a:ln>
@@ -5331,7 +5194,7 @@
           <a:buFontTx/>
           <a:buNone/>
           <a:tabLst/>
-          <a:defRPr kumimoji="0" sz="1800" b="0" i="0" u="none" strike="noStrike" cap="none" spc="0" normalizeH="0" baseline="0">
+          <a:defRPr b="0" baseline="0" cap="none" i="0" spc="0" strike="noStrike" sz="1800" u="none" kumimoji="0" normalizeH="0">
             <a:ln>
               <a:noFill/>
             </a:ln>
@@ -5357,7 +5220,7 @@
           <a:buFontTx/>
           <a:buNone/>
           <a:tabLst/>
-          <a:defRPr kumimoji="0" sz="1800" b="0" i="0" u="none" strike="noStrike" cap="none" spc="0" normalizeH="0" baseline="0">
+          <a:defRPr b="0" baseline="0" cap="none" i="0" spc="0" strike="noStrike" sz="1800" u="none" kumimoji="0" normalizeH="0">
             <a:ln>
               <a:noFill/>
             </a:ln>
@@ -5383,7 +5246,7 @@
           <a:buFontTx/>
           <a:buNone/>
           <a:tabLst/>
-          <a:defRPr kumimoji="0" sz="1800" b="0" i="0" u="none" strike="noStrike" cap="none" spc="0" normalizeH="0" baseline="0">
+          <a:defRPr b="0" baseline="0" cap="none" i="0" spc="0" strike="noStrike" sz="1800" u="none" kumimoji="0" normalizeH="0">
             <a:ln>
               <a:noFill/>
             </a:ln>
@@ -5396,19 +5259,12 @@
         </a:lvl9pPr>
       </a:lstStyle>
       <a:style>
-        <a:lnRef idx="0">
-          <a:scrgbClr r="0" g="0" b="0"/>
-        </a:lnRef>
-        <a:fillRef idx="0">
-          <a:scrgbClr r="0" g="0" b="0"/>
-        </a:fillRef>
-        <a:effectRef idx="0">
-          <a:scrgbClr r="0" g="0" b="0"/>
-        </a:effectRef>
+        <a:lnRef idx="0"/>
+        <a:fillRef idx="0"/>
+        <a:effectRef idx="0"/>
         <a:fontRef idx="none"/>
       </a:style>
     </a:txDef>
   </a:objectDefaults>
-  <a:extraClrSchemeLst/>
 </a:theme>
 </file>